--- a/Cyberlab/week2/2.Neural Network.pptx
+++ b/Cyberlab/week2/2.Neural Network.pptx
@@ -5,34 +5,31 @@
     <p:sldMasterId id="2147483659" r:id="rId1"/>
   </p:sldMasterIdLst>
   <p:notesMasterIdLst>
-    <p:notesMasterId r:id="rId27"/>
+    <p:notesMasterId r:id="rId24"/>
   </p:notesMasterIdLst>
   <p:sldIdLst>
     <p:sldId id="256" r:id="rId2"/>
-    <p:sldId id="265" r:id="rId3"/>
-    <p:sldId id="266" r:id="rId4"/>
-    <p:sldId id="267" r:id="rId5"/>
-    <p:sldId id="262" r:id="rId6"/>
-    <p:sldId id="263" r:id="rId7"/>
-    <p:sldId id="264" r:id="rId8"/>
-    <p:sldId id="268" r:id="rId9"/>
-    <p:sldId id="273" r:id="rId10"/>
-    <p:sldId id="286" r:id="rId11"/>
-    <p:sldId id="270" r:id="rId12"/>
-    <p:sldId id="271" r:id="rId13"/>
-    <p:sldId id="274" r:id="rId14"/>
-    <p:sldId id="272" r:id="rId15"/>
-    <p:sldId id="275" r:id="rId16"/>
-    <p:sldId id="276" r:id="rId17"/>
-    <p:sldId id="277" r:id="rId18"/>
-    <p:sldId id="278" r:id="rId19"/>
-    <p:sldId id="279" r:id="rId20"/>
-    <p:sldId id="280" r:id="rId21"/>
-    <p:sldId id="281" r:id="rId22"/>
-    <p:sldId id="285" r:id="rId23"/>
-    <p:sldId id="282" r:id="rId24"/>
-    <p:sldId id="283" r:id="rId25"/>
-    <p:sldId id="284" r:id="rId26"/>
+    <p:sldId id="288" r:id="rId3"/>
+    <p:sldId id="289" r:id="rId4"/>
+    <p:sldId id="290" r:id="rId5"/>
+    <p:sldId id="265" r:id="rId6"/>
+    <p:sldId id="266" r:id="rId7"/>
+    <p:sldId id="267" r:id="rId8"/>
+    <p:sldId id="262" r:id="rId9"/>
+    <p:sldId id="263" r:id="rId10"/>
+    <p:sldId id="264" r:id="rId11"/>
+    <p:sldId id="268" r:id="rId12"/>
+    <p:sldId id="273" r:id="rId13"/>
+    <p:sldId id="286" r:id="rId14"/>
+    <p:sldId id="270" r:id="rId15"/>
+    <p:sldId id="271" r:id="rId16"/>
+    <p:sldId id="274" r:id="rId17"/>
+    <p:sldId id="272" r:id="rId18"/>
+    <p:sldId id="275" r:id="rId19"/>
+    <p:sldId id="276" r:id="rId20"/>
+    <p:sldId id="277" r:id="rId21"/>
+    <p:sldId id="291" r:id="rId22"/>
+    <p:sldId id="287" r:id="rId23"/>
   </p:sldIdLst>
   <p:sldSz cx="9144000" cy="5143500" type="screen16x9"/>
   <p:notesSz cx="6858000" cy="9144000"/>
@@ -1497,6 +1494,76 @@
     <p:extLst>
       <p:ext uri="{BB962C8B-B14F-4D97-AF65-F5344CB8AC3E}">
         <p14:creationId xmlns:p14="http://schemas.microsoft.com/office/powerpoint/2010/main" val="3967434164"/>
+      </p:ext>
+    </p:extLst>
+  </p:cSld>
+  <p:clrMapOvr>
+    <a:masterClrMapping/>
+  </p:clrMapOvr>
+</p:notes>
+</file>
+
+<file path=ppt/notesSlides/notesSlide17.xml><?xml version="1.0" encoding="utf-8"?>
+<p:notes xmlns:a="http://schemas.openxmlformats.org/drawingml/2006/main" xmlns:r="http://schemas.openxmlformats.org/officeDocument/2006/relationships" xmlns:p="http://schemas.openxmlformats.org/presentationml/2006/main">
+  <p:cSld>
+    <p:spTree>
+      <p:nvGrpSpPr>
+        <p:cNvPr id="1" name=""/>
+        <p:cNvGrpSpPr/>
+        <p:nvPr/>
+      </p:nvGrpSpPr>
+      <p:grpSpPr>
+        <a:xfrm>
+          <a:off x="0" y="0"/>
+          <a:ext cx="0" cy="0"/>
+          <a:chOff x="0" y="0"/>
+          <a:chExt cx="0" cy="0"/>
+        </a:xfrm>
+      </p:grpSpPr>
+      <p:sp>
+        <p:nvSpPr>
+          <p:cNvPr id="2" name="Slide Image Placeholder 1"/>
+          <p:cNvSpPr>
+            <a:spLocks noGrp="1" noRot="1" noChangeAspect="1"/>
+          </p:cNvSpPr>
+          <p:nvPr>
+            <p:ph type="sldImg"/>
+          </p:nvPr>
+        </p:nvSpPr>
+        <p:spPr>
+          <a:xfrm>
+            <a:off x="381000" y="685800"/>
+            <a:ext cx="6096000" cy="3429000"/>
+          </a:xfrm>
+        </p:spPr>
+      </p:sp>
+      <p:sp>
+        <p:nvSpPr>
+          <p:cNvPr id="3" name="Notes Placeholder 2"/>
+          <p:cNvSpPr>
+            <a:spLocks noGrp="1"/>
+          </p:cNvSpPr>
+          <p:nvPr>
+            <p:ph type="body" idx="1"/>
+          </p:nvPr>
+        </p:nvSpPr>
+        <p:spPr/>
+        <p:txBody>
+          <a:bodyPr/>
+          <a:lstStyle/>
+          <a:p>
+            <a:r>
+              <a:rPr lang="en-US" dirty="0" smtClean="0"/>
+              <a:t>https://d2l.ai/chapter_computational-performance/async-computation.html</a:t>
+            </a:r>
+            <a:endParaRPr lang="en-US" dirty="0"/>
+          </a:p>
+        </p:txBody>
+      </p:sp>
+    </p:spTree>
+    <p:extLst>
+      <p:ext uri="{BB962C8B-B14F-4D97-AF65-F5344CB8AC3E}">
+        <p14:creationId xmlns:p14="http://schemas.microsoft.com/office/powerpoint/2010/main" val="173991605"/>
       </p:ext>
     </p:extLst>
   </p:cSld>
@@ -7189,7 +7256,7 @@
   <p:cSld>
     <p:spTree>
       <p:nvGrpSpPr>
-        <p:cNvPr id="1" name=""/>
+        <p:cNvPr id="1" name="Shape 98"/>
         <p:cNvGrpSpPr/>
         <p:nvPr/>
       </p:nvGrpSpPr>
@@ -7203,105 +7270,7 @@
       </p:grpSpPr>
       <p:sp>
         <p:nvSpPr>
-          <p:cNvPr id="2" name="Title 1"/>
-          <p:cNvSpPr>
-            <a:spLocks noGrp="1"/>
-          </p:cNvSpPr>
-          <p:nvPr>
-            <p:ph type="title"/>
-          </p:nvPr>
-        </p:nvSpPr>
-        <p:spPr/>
-        <p:txBody>
-          <a:bodyPr>
-            <a:normAutofit fontScale="90000"/>
-          </a:bodyPr>
-          <a:lstStyle/>
-          <a:p>
-            <a:r>
-              <a:rPr lang="en-US" dirty="0" smtClean="0"/>
-              <a:t>Backpropagation</a:t>
-            </a:r>
-            <a:endParaRPr lang="en-US" dirty="0"/>
-          </a:p>
-        </p:txBody>
-      </p:sp>
-      <p:sp>
-        <p:nvSpPr>
-          <p:cNvPr id="3" name="Text Placeholder 2"/>
-          <p:cNvSpPr>
-            <a:spLocks noGrp="1"/>
-          </p:cNvSpPr>
-          <p:nvPr>
-            <p:ph type="body" idx="1"/>
-          </p:nvPr>
-        </p:nvSpPr>
-        <p:spPr/>
-        <p:txBody>
-          <a:bodyPr/>
-          <a:lstStyle/>
-          <a:p>
-            <a:endParaRPr lang="en-US"/>
-          </a:p>
-        </p:txBody>
-      </p:sp>
-      <p:pic>
-        <p:nvPicPr>
-          <p:cNvPr id="4" name="Picture 3"/>
-          <p:cNvPicPr>
-            <a:picLocks noChangeAspect="1"/>
-          </p:cNvPicPr>
-          <p:nvPr/>
-        </p:nvPicPr>
-        <p:blipFill>
-          <a:blip r:embed="rId2"/>
-          <a:stretch>
-            <a:fillRect/>
-          </a:stretch>
-        </p:blipFill>
-        <p:spPr>
-          <a:xfrm>
-            <a:off x="3055454" y="731375"/>
-            <a:ext cx="4295512" cy="4335532"/>
-          </a:xfrm>
-          <a:prstGeom prst="rect">
-            <a:avLst/>
-          </a:prstGeom>
-        </p:spPr>
-      </p:pic>
-    </p:spTree>
-    <p:extLst>
-      <p:ext uri="{BB962C8B-B14F-4D97-AF65-F5344CB8AC3E}">
-        <p14:creationId xmlns:p14="http://schemas.microsoft.com/office/powerpoint/2010/main" val="3941577688"/>
-      </p:ext>
-    </p:extLst>
-  </p:cSld>
-  <p:clrMapOvr>
-    <a:masterClrMapping/>
-  </p:clrMapOvr>
-</p:sld>
-</file>
-
-<file path=ppt/slides/slide11.xml><?xml version="1.0" encoding="utf-8"?>
-<p:sld xmlns:a="http://schemas.openxmlformats.org/drawingml/2006/main" xmlns:r="http://schemas.openxmlformats.org/officeDocument/2006/relationships" xmlns:p="http://schemas.openxmlformats.org/presentationml/2006/main">
-  <p:cSld>
-    <p:spTree>
-      <p:nvGrpSpPr>
-        <p:cNvPr id="1" name="Shape 132"/>
-        <p:cNvGrpSpPr/>
-        <p:nvPr/>
-      </p:nvGrpSpPr>
-      <p:grpSpPr>
-        <a:xfrm>
-          <a:off x="0" y="0"/>
-          <a:ext cx="0" cy="0"/>
-          <a:chOff x="0" y="0"/>
-          <a:chExt cx="0" cy="0"/>
-        </a:xfrm>
-      </p:grpSpPr>
-      <p:sp>
-        <p:nvSpPr>
-          <p:cNvPr id="133" name="Google Shape;133;p27"/>
+          <p:cNvPr id="99" name="Google Shape;99;p21"/>
           <p:cNvSpPr txBox="1">
             <a:spLocks noGrp="1"/>
           </p:cNvSpPr>
@@ -7334,16 +7303,16 @@
               <a:buNone/>
             </a:pPr>
             <a:r>
-              <a:rPr lang="en-GB" dirty="0" smtClean="0"/>
-              <a:t>Training loop</a:t>
-            </a:r>
-            <a:endParaRPr dirty="0"/>
+              <a:rPr lang="en-GB"/>
+              <a:t>Regularization</a:t>
+            </a:r>
+            <a:endParaRPr/>
           </a:p>
         </p:txBody>
       </p:sp>
       <p:sp>
         <p:nvSpPr>
-          <p:cNvPr id="134" name="Google Shape;134;p27"/>
+          <p:cNvPr id="100" name="Google Shape;100;p21"/>
           <p:cNvSpPr txBox="1">
             <a:spLocks noGrp="1"/>
           </p:cNvSpPr>
@@ -7375,242 +7344,76 @@
               </a:spcAft>
               <a:buNone/>
             </a:pPr>
-            <a:endParaRPr/>
-          </a:p>
-        </p:txBody>
-      </p:sp>
-      <p:pic>
-        <p:nvPicPr>
-          <p:cNvPr id="4098" name="Picture 2" descr="The Simple Explanation of the Concept of backpropagation — DATA SCIENCE"/>
-          <p:cNvPicPr>
-            <a:picLocks noChangeAspect="1" noChangeArrowheads="1"/>
-          </p:cNvPicPr>
-          <p:nvPr/>
-        </p:nvPicPr>
-        <p:blipFill>
-          <a:blip r:embed="rId3">
-            <a:extLst>
-              <a:ext uri="{28A0092B-C50C-407E-A947-70E740481C1C}">
-                <a14:useLocalDpi xmlns:a14="http://schemas.microsoft.com/office/drawing/2010/main" val="0"/>
-              </a:ext>
-            </a:extLst>
-          </a:blip>
-          <a:srcRect/>
-          <a:stretch>
-            <a:fillRect/>
-          </a:stretch>
-        </p:blipFill>
-        <p:spPr bwMode="auto">
-          <a:xfrm>
-            <a:off x="1908622" y="1512034"/>
-            <a:ext cx="5444020" cy="2697282"/>
-          </a:xfrm>
-          <a:prstGeom prst="rect">
-            <a:avLst/>
-          </a:prstGeom>
-          <a:noFill/>
-          <a:extLst>
-            <a:ext uri="{909E8E84-426E-40DD-AFC4-6F175D3DCCD1}">
-              <a14:hiddenFill xmlns:a14="http://schemas.microsoft.com/office/drawing/2010/main">
-                <a:solidFill>
-                  <a:srgbClr val="FFFFFF"/>
-                </a:solidFill>
-              </a14:hiddenFill>
-            </a:ext>
-          </a:extLst>
-        </p:spPr>
-      </p:pic>
-    </p:spTree>
-  </p:cSld>
-  <p:clrMapOvr>
-    <a:masterClrMapping/>
-  </p:clrMapOvr>
-</p:sld>
-</file>
-
-<file path=ppt/slides/slide12.xml><?xml version="1.0" encoding="utf-8"?>
-<p:sld xmlns:a="http://schemas.openxmlformats.org/drawingml/2006/main" xmlns:r="http://schemas.openxmlformats.org/officeDocument/2006/relationships" xmlns:p="http://schemas.openxmlformats.org/presentationml/2006/main">
-  <p:cSld>
-    <p:spTree>
-      <p:nvGrpSpPr>
-        <p:cNvPr id="1" name="Shape 138"/>
-        <p:cNvGrpSpPr/>
-        <p:nvPr/>
-      </p:nvGrpSpPr>
-      <p:grpSpPr>
-        <a:xfrm>
-          <a:off x="0" y="0"/>
-          <a:ext cx="0" cy="0"/>
-          <a:chOff x="0" y="0"/>
-          <a:chExt cx="0" cy="0"/>
-        </a:xfrm>
-      </p:grpSpPr>
-      <p:sp>
-        <p:nvSpPr>
-          <p:cNvPr id="139" name="Google Shape;139;p28"/>
-          <p:cNvSpPr txBox="1">
-            <a:spLocks noGrp="1"/>
-          </p:cNvSpPr>
-          <p:nvPr>
-            <p:ph type="title"/>
-          </p:nvPr>
-        </p:nvSpPr>
-        <p:spPr>
-          <a:xfrm>
-            <a:off x="311700" y="445025"/>
-            <a:ext cx="8520600" cy="572700"/>
-          </a:xfrm>
-          <a:prstGeom prst="rect">
-            <a:avLst/>
-          </a:prstGeom>
-        </p:spPr>
-        <p:txBody>
-          <a:bodyPr spcFirstLastPara="1" wrap="square" lIns="91425" tIns="91425" rIns="91425" bIns="91425" anchor="t" anchorCtr="0">
-            <a:normAutofit fontScale="90000"/>
-          </a:bodyPr>
-          <a:lstStyle/>
+            <a:r>
+              <a:rPr lang="en-GB" dirty="0"/>
+              <a:t>Drop </a:t>
+            </a:r>
+            <a:r>
+              <a:rPr lang="en-GB" dirty="0" smtClean="0"/>
+              <a:t>out</a:t>
+            </a:r>
+          </a:p>
           <a:p>
             <a:pPr marL="0" lvl="0" indent="0" algn="l" rtl="0">
               <a:spcBef>
                 <a:spcPts val="0"/>
               </a:spcBef>
               <a:spcAft>
-                <a:spcPts val="0"/>
+                <a:spcPts val="1200"/>
               </a:spcAft>
               <a:buNone/>
             </a:pPr>
+            <a:endParaRPr lang="en-GB" dirty="0" smtClean="0"/>
+          </a:p>
+          <a:p>
+            <a:pPr marL="0" lvl="0" indent="0" algn="l" rtl="0">
+              <a:spcBef>
+                <a:spcPts val="0"/>
+              </a:spcBef>
+              <a:spcAft>
+                <a:spcPts val="1200"/>
+              </a:spcAft>
+              <a:buNone/>
+            </a:pPr>
+            <a:endParaRPr lang="en-GB" dirty="0"/>
+          </a:p>
+          <a:p>
+            <a:pPr marL="0" lvl="0" indent="0" algn="l" rtl="0">
+              <a:spcBef>
+                <a:spcPts val="0"/>
+              </a:spcBef>
+              <a:spcAft>
+                <a:spcPts val="1200"/>
+              </a:spcAft>
+              <a:buNone/>
+            </a:pPr>
+            <a:endParaRPr lang="en-GB" dirty="0" smtClean="0"/>
+          </a:p>
+          <a:p>
+            <a:pPr marL="0" lvl="0" indent="0" algn="l" rtl="0">
+              <a:spcBef>
+                <a:spcPts val="0"/>
+              </a:spcBef>
+              <a:spcAft>
+                <a:spcPts val="1200"/>
+              </a:spcAft>
+              <a:buNone/>
+            </a:pPr>
+            <a:endParaRPr lang="en-GB" dirty="0"/>
+          </a:p>
+          <a:p>
+            <a:pPr marL="0" lvl="0" indent="0" algn="l" rtl="0">
+              <a:spcBef>
+                <a:spcPts val="0"/>
+              </a:spcBef>
+              <a:spcAft>
+                <a:spcPts val="1200"/>
+              </a:spcAft>
+              <a:buNone/>
+            </a:pPr>
             <a:r>
               <a:rPr lang="en-GB" dirty="0" smtClean="0"/>
-              <a:t>Vanishing Gradients</a:t>
-            </a:r>
-            <a:endParaRPr dirty="0"/>
-          </a:p>
-        </p:txBody>
-      </p:sp>
-      <p:sp>
-        <p:nvSpPr>
-          <p:cNvPr id="140" name="Google Shape;140;p28"/>
-          <p:cNvSpPr txBox="1">
-            <a:spLocks noGrp="1"/>
-          </p:cNvSpPr>
-          <p:nvPr>
-            <p:ph type="body" idx="1"/>
-          </p:nvPr>
-        </p:nvSpPr>
-        <p:spPr>
-          <a:xfrm>
-            <a:off x="311700" y="1152475"/>
-            <a:ext cx="8520600" cy="3416400"/>
-          </a:xfrm>
-          <a:prstGeom prst="rect">
-            <a:avLst/>
-          </a:prstGeom>
-        </p:spPr>
-        <p:txBody>
-          <a:bodyPr spcFirstLastPara="1" wrap="square" lIns="91425" tIns="91425" rIns="91425" bIns="91425" anchor="t" anchorCtr="0">
-            <a:normAutofit/>
-          </a:bodyPr>
-          <a:lstStyle/>
-          <a:p>
-            <a:r>
-              <a:rPr lang="en-US" dirty="0"/>
-              <a:t>The model will improve very slowly during the training phase and it is also possible that training stops very early, meaning that any further training does not improve the model.</a:t>
-            </a:r>
-          </a:p>
-          <a:p>
-            <a:r>
-              <a:rPr lang="en-US" dirty="0"/>
-              <a:t>The weights closer to the output layer of the model would witness more of a change whereas the layers that occur closer to the input layer would not change much (if at all).</a:t>
-            </a:r>
-          </a:p>
-          <a:p>
-            <a:r>
-              <a:rPr lang="en-US" dirty="0"/>
-              <a:t>Model weights shrink exponentially and become very small when training the model.</a:t>
-            </a:r>
-          </a:p>
-          <a:p>
-            <a:r>
-              <a:rPr lang="en-US" dirty="0"/>
-              <a:t>The model weights become 0 in the training phase.</a:t>
-            </a:r>
-          </a:p>
-          <a:p>
-            <a:pPr marL="0" lvl="0" indent="0" algn="l" rtl="0">
-              <a:spcBef>
-                <a:spcPts val="0"/>
-              </a:spcBef>
-              <a:spcAft>
-                <a:spcPts val="1200"/>
-              </a:spcAft>
-              <a:buNone/>
-            </a:pPr>
-            <a:endParaRPr dirty="0"/>
-          </a:p>
-        </p:txBody>
-      </p:sp>
-    </p:spTree>
-  </p:cSld>
-  <p:clrMapOvr>
-    <a:masterClrMapping/>
-  </p:clrMapOvr>
-</p:sld>
-</file>
-
-<file path=ppt/slides/slide13.xml><?xml version="1.0" encoding="utf-8"?>
-<p:sld xmlns:a="http://schemas.openxmlformats.org/drawingml/2006/main" xmlns:r="http://schemas.openxmlformats.org/officeDocument/2006/relationships" xmlns:p="http://schemas.openxmlformats.org/presentationml/2006/main">
-  <p:cSld>
-    <p:spTree>
-      <p:nvGrpSpPr>
-        <p:cNvPr id="1" name="Shape 138"/>
-        <p:cNvGrpSpPr/>
-        <p:nvPr/>
-      </p:nvGrpSpPr>
-      <p:grpSpPr>
-        <a:xfrm>
-          <a:off x="0" y="0"/>
-          <a:ext cx="0" cy="0"/>
-          <a:chOff x="0" y="0"/>
-          <a:chExt cx="0" cy="0"/>
-        </a:xfrm>
-      </p:grpSpPr>
-      <p:sp>
-        <p:nvSpPr>
-          <p:cNvPr id="139" name="Google Shape;139;p28"/>
-          <p:cNvSpPr txBox="1">
-            <a:spLocks noGrp="1"/>
-          </p:cNvSpPr>
-          <p:nvPr>
-            <p:ph type="title"/>
-          </p:nvPr>
-        </p:nvSpPr>
-        <p:spPr>
-          <a:xfrm>
-            <a:off x="311700" y="445025"/>
-            <a:ext cx="8520600" cy="572700"/>
-          </a:xfrm>
-          <a:prstGeom prst="rect">
-            <a:avLst/>
-          </a:prstGeom>
-        </p:spPr>
-        <p:txBody>
-          <a:bodyPr spcFirstLastPara="1" wrap="square" lIns="91425" tIns="91425" rIns="91425" bIns="91425" anchor="t" anchorCtr="0">
-            <a:normAutofit fontScale="90000"/>
-          </a:bodyPr>
-          <a:lstStyle/>
-          <a:p>
-            <a:pPr marL="0" lvl="0" indent="0" algn="l" rtl="0">
-              <a:spcBef>
-                <a:spcPts val="0"/>
-              </a:spcBef>
-              <a:spcAft>
-                <a:spcPts val="0"/>
-              </a:spcAft>
-              <a:buNone/>
-            </a:pPr>
-            <a:r>
-              <a:rPr lang="en-GB" dirty="0" smtClean="0"/>
-              <a:t>Vanishing Gradients</a:t>
+              <a:t>Weight decay</a:t>
             </a:r>
             <a:endParaRPr dirty="0"/>
           </a:p>
@@ -7632,8 +7435,32 @@
         </p:blipFill>
         <p:spPr>
           <a:xfrm>
-            <a:off x="2597632" y="1633330"/>
-            <a:ext cx="4505325" cy="2552700"/>
+            <a:off x="3671887" y="3464242"/>
+            <a:ext cx="1800225" cy="714375"/>
+          </a:xfrm>
+          <a:prstGeom prst="rect">
+            <a:avLst/>
+          </a:prstGeom>
+        </p:spPr>
+      </p:pic>
+      <p:pic>
+        <p:nvPicPr>
+          <p:cNvPr id="3" name="Picture 2"/>
+          <p:cNvPicPr>
+            <a:picLocks noChangeAspect="1"/>
+          </p:cNvPicPr>
+          <p:nvPr/>
+        </p:nvPicPr>
+        <p:blipFill>
+          <a:blip r:embed="rId4"/>
+          <a:stretch>
+            <a:fillRect/>
+          </a:stretch>
+        </p:blipFill>
+        <p:spPr>
+          <a:xfrm>
+            <a:off x="2727007" y="879424"/>
+            <a:ext cx="4504373" cy="1834628"/>
           </a:xfrm>
           <a:prstGeom prst="rect">
             <a:avLst/>
@@ -7641,11 +7468,6 @@
         </p:spPr>
       </p:pic>
     </p:spTree>
-    <p:extLst>
-      <p:ext uri="{BB962C8B-B14F-4D97-AF65-F5344CB8AC3E}">
-        <p14:creationId xmlns:p14="http://schemas.microsoft.com/office/powerpoint/2010/main" val="1607833550"/>
-      </p:ext>
-    </p:extLst>
   </p:cSld>
   <p:clrMapOvr>
     <a:masterClrMapping/>
@@ -7653,12 +7475,12 @@
 </p:sld>
 </file>
 
-<file path=ppt/slides/slide14.xml><?xml version="1.0" encoding="utf-8"?>
+<file path=ppt/slides/slide11.xml><?xml version="1.0" encoding="utf-8"?>
 <p:sld xmlns:a="http://schemas.openxmlformats.org/drawingml/2006/main" xmlns:r="http://schemas.openxmlformats.org/officeDocument/2006/relationships" xmlns:p="http://schemas.openxmlformats.org/presentationml/2006/main">
   <p:cSld>
     <p:spTree>
       <p:nvGrpSpPr>
-        <p:cNvPr id="1" name="Shape 144"/>
+        <p:cNvPr id="1" name="Shape 121"/>
         <p:cNvGrpSpPr/>
         <p:nvPr/>
       </p:nvGrpSpPr>
@@ -7672,7 +7494,7 @@
       </p:grpSpPr>
       <p:sp>
         <p:nvSpPr>
-          <p:cNvPr id="145" name="Google Shape;145;p29"/>
+          <p:cNvPr id="122" name="Google Shape;122;p25"/>
           <p:cNvSpPr txBox="1">
             <a:spLocks noGrp="1"/>
           </p:cNvSpPr>
@@ -7695,18 +7517,26 @@
           </a:bodyPr>
           <a:lstStyle/>
           <a:p>
-            <a:pPr lvl="0"/>
-            <a:r>
-              <a:rPr lang="en-GB" dirty="0" smtClean="0"/>
-              <a:t>Exploding gradient</a:t>
-            </a:r>
-            <a:endParaRPr dirty="0"/>
+            <a:pPr marL="0" lvl="0" indent="0" algn="l" rtl="0">
+              <a:spcBef>
+                <a:spcPts val="0"/>
+              </a:spcBef>
+              <a:spcAft>
+                <a:spcPts val="0"/>
+              </a:spcAft>
+              <a:buNone/>
+            </a:pPr>
+            <a:r>
+              <a:rPr lang="en-GB"/>
+              <a:t>Forward propagation</a:t>
+            </a:r>
+            <a:endParaRPr/>
           </a:p>
         </p:txBody>
       </p:sp>
       <p:sp>
         <p:nvSpPr>
-          <p:cNvPr id="146" name="Google Shape;146;p29"/>
+          <p:cNvPr id="123" name="Google Shape;123;p25"/>
           <p:cNvSpPr txBox="1">
             <a:spLocks noGrp="1"/>
           </p:cNvSpPr>
@@ -7725,75 +7555,10 @@
         </p:spPr>
         <p:txBody>
           <a:bodyPr spcFirstLastPara="1" wrap="square" lIns="91425" tIns="91425" rIns="91425" bIns="91425" anchor="t" anchorCtr="0">
-            <a:normAutofit lnSpcReduction="10000"/>
+            <a:normAutofit/>
           </a:bodyPr>
           <a:lstStyle/>
           <a:p>
-            <a:r>
-              <a:rPr lang="en-US" dirty="0"/>
-              <a:t>The model is not learning much on the training data therefore resulting in a poor loss.</a:t>
-            </a:r>
-          </a:p>
-          <a:p>
-            <a:r>
-              <a:rPr lang="en-US" dirty="0"/>
-              <a:t>The model will have large changes in loss on each update due to the models instability.</a:t>
-            </a:r>
-          </a:p>
-          <a:p>
-            <a:r>
-              <a:rPr lang="en-US" dirty="0"/>
-              <a:t>The models loss will be </a:t>
-            </a:r>
-            <a:r>
-              <a:rPr lang="en-US" dirty="0" err="1"/>
-              <a:t>NaN</a:t>
-            </a:r>
-            <a:r>
-              <a:rPr lang="en-US" dirty="0"/>
-              <a:t> during training</a:t>
-            </a:r>
-            <a:r>
-              <a:rPr lang="en-US" dirty="0" smtClean="0"/>
-              <a:t>.</a:t>
-            </a:r>
-          </a:p>
-          <a:p>
-            <a:endParaRPr lang="en-US" dirty="0"/>
-          </a:p>
-          <a:p>
-            <a:endParaRPr lang="en-US" dirty="0" smtClean="0"/>
-          </a:p>
-          <a:p>
-            <a:r>
-              <a:rPr lang="en-US" dirty="0"/>
-              <a:t>Model weights grow exponentially and become very large when training the model.</a:t>
-            </a:r>
-          </a:p>
-          <a:p>
-            <a:r>
-              <a:rPr lang="en-US" dirty="0"/>
-              <a:t>The model weights become </a:t>
-            </a:r>
-            <a:r>
-              <a:rPr lang="en-US" dirty="0" err="1"/>
-              <a:t>NaN</a:t>
-            </a:r>
-            <a:r>
-              <a:rPr lang="en-US" dirty="0"/>
-              <a:t> in the training phase.</a:t>
-            </a:r>
-          </a:p>
-          <a:p>
-            <a:r>
-              <a:rPr lang="en-US" dirty="0"/>
-              <a:t>The derivatives are constantly</a:t>
-            </a:r>
-          </a:p>
-          <a:p>
-            <a:endParaRPr lang="en-US" dirty="0"/>
-          </a:p>
-          <a:p>
             <a:pPr marL="0" lvl="0" indent="0" algn="l" rtl="0">
               <a:spcBef>
                 <a:spcPts val="0"/>
@@ -7803,10 +7568,34 @@
               </a:spcAft>
               <a:buNone/>
             </a:pPr>
-            <a:endParaRPr dirty="0"/>
+            <a:endParaRPr/>
           </a:p>
         </p:txBody>
       </p:sp>
+      <p:pic>
+        <p:nvPicPr>
+          <p:cNvPr id="2" name="Picture 1"/>
+          <p:cNvPicPr>
+            <a:picLocks noChangeAspect="1"/>
+          </p:cNvPicPr>
+          <p:nvPr/>
+        </p:nvPicPr>
+        <p:blipFill>
+          <a:blip r:embed="rId3"/>
+          <a:stretch>
+            <a:fillRect/>
+          </a:stretch>
+        </p:blipFill>
+        <p:spPr>
+          <a:xfrm>
+            <a:off x="1119187" y="2041525"/>
+            <a:ext cx="6905625" cy="819150"/>
+          </a:xfrm>
+          <a:prstGeom prst="rect">
+            <a:avLst/>
+          </a:prstGeom>
+        </p:spPr>
+      </p:pic>
     </p:spTree>
   </p:cSld>
   <p:clrMapOvr>
@@ -7815,236 +7604,7 @@
 </p:sld>
 </file>
 
-<file path=ppt/slides/slide15.xml><?xml version="1.0" encoding="utf-8"?>
-<p:sld xmlns:a="http://schemas.openxmlformats.org/drawingml/2006/main" xmlns:r="http://schemas.openxmlformats.org/officeDocument/2006/relationships" xmlns:p="http://schemas.openxmlformats.org/presentationml/2006/main">
-  <p:cSld>
-    <p:spTree>
-      <p:nvGrpSpPr>
-        <p:cNvPr id="1" name="Shape 144"/>
-        <p:cNvGrpSpPr/>
-        <p:nvPr/>
-      </p:nvGrpSpPr>
-      <p:grpSpPr>
-        <a:xfrm>
-          <a:off x="0" y="0"/>
-          <a:ext cx="0" cy="0"/>
-          <a:chOff x="0" y="0"/>
-          <a:chExt cx="0" cy="0"/>
-        </a:xfrm>
-      </p:grpSpPr>
-      <p:sp>
-        <p:nvSpPr>
-          <p:cNvPr id="145" name="Google Shape;145;p29"/>
-          <p:cNvSpPr txBox="1">
-            <a:spLocks noGrp="1"/>
-          </p:cNvSpPr>
-          <p:nvPr>
-            <p:ph type="title"/>
-          </p:nvPr>
-        </p:nvSpPr>
-        <p:spPr>
-          <a:xfrm>
-            <a:off x="311700" y="445025"/>
-            <a:ext cx="8520600" cy="572700"/>
-          </a:xfrm>
-          <a:prstGeom prst="rect">
-            <a:avLst/>
-          </a:prstGeom>
-        </p:spPr>
-        <p:txBody>
-          <a:bodyPr spcFirstLastPara="1" wrap="square" lIns="91425" tIns="91425" rIns="91425" bIns="91425" anchor="t" anchorCtr="0">
-            <a:normAutofit fontScale="90000"/>
-          </a:bodyPr>
-          <a:lstStyle/>
-          <a:p>
-            <a:pPr lvl="0"/>
-            <a:r>
-              <a:rPr lang="en-GB" dirty="0" smtClean="0"/>
-              <a:t>Solution</a:t>
-            </a:r>
-            <a:endParaRPr dirty="0"/>
-          </a:p>
-        </p:txBody>
-      </p:sp>
-      <p:sp>
-        <p:nvSpPr>
-          <p:cNvPr id="146" name="Google Shape;146;p29"/>
-          <p:cNvSpPr txBox="1">
-            <a:spLocks noGrp="1"/>
-          </p:cNvSpPr>
-          <p:nvPr>
-            <p:ph type="body" idx="1"/>
-          </p:nvPr>
-        </p:nvSpPr>
-        <p:spPr>
-          <a:xfrm>
-            <a:off x="311700" y="1152475"/>
-            <a:ext cx="8520600" cy="3416400"/>
-          </a:xfrm>
-          <a:prstGeom prst="rect">
-            <a:avLst/>
-          </a:prstGeom>
-        </p:spPr>
-        <p:txBody>
-          <a:bodyPr spcFirstLastPara="1" wrap="square" lIns="91425" tIns="91425" rIns="91425" bIns="91425" anchor="t" anchorCtr="0">
-            <a:normAutofit fontScale="77500" lnSpcReduction="20000"/>
-          </a:bodyPr>
-          <a:lstStyle/>
-          <a:p>
-            <a:r>
-              <a:rPr lang="en-US" b="1" dirty="0" smtClean="0"/>
-              <a:t>1. Reducing </a:t>
-            </a:r>
-            <a:r>
-              <a:rPr lang="en-US" b="1" dirty="0"/>
-              <a:t>the amount of Layers</a:t>
-            </a:r>
-            <a:endParaRPr lang="en-US" dirty="0"/>
-          </a:p>
-          <a:p>
-            <a:pPr marL="114300" indent="0">
-              <a:buNone/>
-            </a:pPr>
-            <a:r>
-              <a:rPr lang="en-US" dirty="0"/>
-              <a:t>This is the solution could be used in both, scenarios (exploding and vanishing gradient). However, by reducing the amount of layers in our network, we give up some of our models complexity, since having more layers makes the networks more capable of representing complex mappings</a:t>
-            </a:r>
-            <a:r>
-              <a:rPr lang="en-US" dirty="0" smtClean="0"/>
-              <a:t>.</a:t>
-            </a:r>
-          </a:p>
-          <a:p>
-            <a:pPr marL="114300" indent="0">
-              <a:buNone/>
-            </a:pPr>
-            <a:endParaRPr lang="en-US" dirty="0"/>
-          </a:p>
-          <a:p>
-            <a:r>
-              <a:rPr lang="en-US" b="1" dirty="0"/>
-              <a:t>2. Gradient Clipping (Exploding Gradients)</a:t>
-            </a:r>
-            <a:endParaRPr lang="en-US" dirty="0"/>
-          </a:p>
-          <a:p>
-            <a:pPr marL="114300" indent="0">
-              <a:buNone/>
-            </a:pPr>
-            <a:r>
-              <a:rPr lang="en-US" dirty="0"/>
-              <a:t>Checking for and limiting the size of the gradients whilst our model trains is another solution. Going into the details of this technique is beyond the scope of this article, but you can read more about gradient clipping in an article by </a:t>
-            </a:r>
-            <a:r>
-              <a:rPr lang="en-US" dirty="0" err="1" smtClean="0">
-                <a:hlinkClick r:id="rId3"/>
-              </a:rPr>
-              <a:t>Wanshun</a:t>
-            </a:r>
-            <a:r>
-              <a:rPr lang="en-US" dirty="0" smtClean="0">
-                <a:hlinkClick r:id="rId3"/>
-              </a:rPr>
-              <a:t> Wong</a:t>
-            </a:r>
-            <a:r>
-              <a:rPr lang="en-US" dirty="0"/>
-              <a:t> titled What is </a:t>
-            </a:r>
-            <a:r>
-              <a:rPr lang="en-US" u="sng" dirty="0">
-                <a:hlinkClick r:id="rId4"/>
-              </a:rPr>
-              <a:t>Gradient </a:t>
-            </a:r>
-            <a:r>
-              <a:rPr lang="en-US" u="sng" dirty="0" smtClean="0">
-                <a:hlinkClick r:id="rId4"/>
-              </a:rPr>
-              <a:t>Clipping</a:t>
-            </a:r>
-            <a:r>
-              <a:rPr lang="en-US" dirty="0" smtClean="0"/>
-              <a:t>.</a:t>
-            </a:r>
-          </a:p>
-          <a:p>
-            <a:pPr marL="114300" indent="0">
-              <a:buNone/>
-            </a:pPr>
-            <a:endParaRPr lang="en-US" dirty="0" smtClean="0"/>
-          </a:p>
-          <a:p>
-            <a:r>
-              <a:rPr lang="en-US" b="1" dirty="0" smtClean="0"/>
-              <a:t>3</a:t>
-            </a:r>
-            <a:r>
-              <a:rPr lang="en-US" b="1" dirty="0"/>
-              <a:t>. Weight Initialization</a:t>
-            </a:r>
-            <a:endParaRPr lang="en-US" dirty="0"/>
-          </a:p>
-          <a:p>
-            <a:pPr marL="114300" indent="0">
-              <a:buNone/>
-            </a:pPr>
-            <a:r>
-              <a:rPr lang="en-US" dirty="0"/>
-              <a:t>A more careful initialization choice of the random initialization for your network tends to be a partial solution, since it does not solve the problem completely. Check out this article by </a:t>
-            </a:r>
-            <a:r>
-              <a:rPr lang="en-US" dirty="0" smtClean="0">
-                <a:hlinkClick r:id="rId5"/>
-              </a:rPr>
-              <a:t>James Dellinger</a:t>
-            </a:r>
-            <a:r>
-              <a:rPr lang="en-US" dirty="0"/>
-              <a:t> - </a:t>
-            </a:r>
-            <a:r>
-              <a:rPr lang="en-US" u="sng" dirty="0">
-                <a:hlinkClick r:id="rId6"/>
-              </a:rPr>
-              <a:t>Weight Initialization in Neural Networks: A journey from the basics to </a:t>
-            </a:r>
-            <a:r>
-              <a:rPr lang="en-US" u="sng" dirty="0" err="1">
-                <a:hlinkClick r:id="rId6"/>
-              </a:rPr>
-              <a:t>Kaiming</a:t>
-            </a:r>
-            <a:endParaRPr lang="en-US" dirty="0"/>
-          </a:p>
-          <a:p>
-            <a:pPr marL="0" lvl="0" indent="0" algn="l" rtl="0">
-              <a:spcBef>
-                <a:spcPts val="0"/>
-              </a:spcBef>
-              <a:spcAft>
-                <a:spcPts val="1200"/>
-              </a:spcAft>
-              <a:buNone/>
-            </a:pPr>
-            <a:endParaRPr dirty="0"/>
-          </a:p>
-        </p:txBody>
-      </p:sp>
-    </p:spTree>
-    <p:extLst>
-      <p:ext uri="{BB962C8B-B14F-4D97-AF65-F5344CB8AC3E}">
-        <p14:creationId xmlns:p14="http://schemas.microsoft.com/office/powerpoint/2010/main" val="3839797778"/>
-      </p:ext>
-    </p:extLst>
-  </p:cSld>
-  <p:clrMapOvr>
-    <a:masterClrMapping/>
-  </p:clrMapOvr>
-</p:sld>
-</file>
-
-<file path=ppt/slides/slide16.xml><?xml version="1.0" encoding="utf-8"?>
+<file path=ppt/slides/slide12.xml><?xml version="1.0" encoding="utf-8"?>
 <p:sld xmlns:a="http://schemas.openxmlformats.org/drawingml/2006/main" xmlns:r="http://schemas.openxmlformats.org/officeDocument/2006/relationships" xmlns:p="http://schemas.openxmlformats.org/presentationml/2006/main">
   <p:cSld>
     <p:spTree>
@@ -8079,40 +7639,8 @@
           <a:lstStyle/>
           <a:p>
             <a:r>
-              <a:rPr lang="en-US" dirty="0" smtClean="0"/>
-              <a:t>Parameter initialization</a:t>
-            </a:r>
-            <a:endParaRPr lang="en-US" dirty="0"/>
-          </a:p>
-        </p:txBody>
-      </p:sp>
-      <p:sp>
-        <p:nvSpPr>
-          <p:cNvPr id="3" name="Text Placeholder 2"/>
-          <p:cNvSpPr>
-            <a:spLocks noGrp="1"/>
-          </p:cNvSpPr>
-          <p:nvPr>
-            <p:ph type="body" idx="1"/>
-          </p:nvPr>
-        </p:nvSpPr>
-        <p:spPr/>
-        <p:txBody>
-          <a:bodyPr/>
-          <a:lstStyle/>
-          <a:p>
-            <a:r>
-              <a:rPr lang="en-US" dirty="0" smtClean="0"/>
-              <a:t>Default</a:t>
-            </a:r>
-          </a:p>
-          <a:p>
-            <a:endParaRPr lang="en-US" dirty="0"/>
-          </a:p>
-          <a:p>
-            <a:r>
-              <a:rPr lang="en-US" dirty="0" smtClean="0"/>
-              <a:t>Xavier</a:t>
+              <a:rPr lang="fr-FR" dirty="0" err="1" smtClean="0"/>
+              <a:t>Backpropagation</a:t>
             </a:r>
             <a:endParaRPr lang="en-US" dirty="0"/>
           </a:p>
@@ -8120,9 +7648,9 @@
       </p:sp>
       <p:pic>
         <p:nvPicPr>
-          <p:cNvPr id="4" name="Picture 3"/>
+          <p:cNvPr id="1026" name="Picture 2" descr="https://machinelearningcoban.com/assets/14_mlp/backpropagation.png"/>
           <p:cNvPicPr>
-            <a:picLocks noChangeAspect="1"/>
+            <a:picLocks noChangeAspect="1" noChangeArrowheads="1"/>
           </p:cNvPicPr>
           <p:nvPr/>
         </p:nvPicPr>
@@ -8134,14 +7662,121 @@
               </a:ext>
             </a:extLst>
           </a:blip>
+          <a:srcRect/>
+          <a:stretch>
+            <a:fillRect/>
+          </a:stretch>
+        </p:blipFill>
+        <p:spPr bwMode="auto">
+          <a:xfrm>
+            <a:off x="3939306" y="1571206"/>
+            <a:ext cx="4841151" cy="2611396"/>
+          </a:xfrm>
+          <a:prstGeom prst="rect">
+            <a:avLst/>
+          </a:prstGeom>
+          <a:noFill/>
+          <a:extLst>
+            <a:ext uri="{909E8E84-426E-40DD-AFC4-6F175D3DCCD1}">
+              <a14:hiddenFill xmlns:a14="http://schemas.microsoft.com/office/drawing/2010/main">
+                <a:solidFill>
+                  <a:srgbClr val="FFFFFF"/>
+                </a:solidFill>
+              </a14:hiddenFill>
+            </a:ext>
+          </a:extLst>
+        </p:spPr>
+      </p:pic>
+      <p:pic>
+        <p:nvPicPr>
+          <p:cNvPr id="4" name="Picture 3"/>
+          <p:cNvPicPr>
+            <a:picLocks noChangeAspect="1"/>
+          </p:cNvPicPr>
+          <p:nvPr/>
+        </p:nvPicPr>
+        <p:blipFill>
+          <a:blip r:embed="rId4"/>
           <a:stretch>
             <a:fillRect/>
           </a:stretch>
         </p:blipFill>
         <p:spPr>
           <a:xfrm>
-            <a:off x="4660793" y="1152475"/>
-            <a:ext cx="3739429" cy="3033092"/>
+            <a:off x="194531" y="1220923"/>
+            <a:ext cx="5820296" cy="250067"/>
+          </a:xfrm>
+          <a:prstGeom prst="rect">
+            <a:avLst/>
+          </a:prstGeom>
+        </p:spPr>
+      </p:pic>
+      <p:pic>
+        <p:nvPicPr>
+          <p:cNvPr id="5" name="Picture 4"/>
+          <p:cNvPicPr>
+            <a:picLocks noChangeAspect="1"/>
+          </p:cNvPicPr>
+          <p:nvPr/>
+        </p:nvPicPr>
+        <p:blipFill>
+          <a:blip r:embed="rId5"/>
+          <a:stretch>
+            <a:fillRect/>
+          </a:stretch>
+        </p:blipFill>
+        <p:spPr>
+          <a:xfrm>
+            <a:off x="194531" y="1639741"/>
+            <a:ext cx="2919206" cy="372056"/>
+          </a:xfrm>
+          <a:prstGeom prst="rect">
+            <a:avLst/>
+          </a:prstGeom>
+        </p:spPr>
+      </p:pic>
+      <p:pic>
+        <p:nvPicPr>
+          <p:cNvPr id="6" name="Picture 5"/>
+          <p:cNvPicPr>
+            <a:picLocks noChangeAspect="1"/>
+          </p:cNvPicPr>
+          <p:nvPr/>
+        </p:nvPicPr>
+        <p:blipFill>
+          <a:blip r:embed="rId6"/>
+          <a:stretch>
+            <a:fillRect/>
+          </a:stretch>
+        </p:blipFill>
+        <p:spPr>
+          <a:xfrm>
+            <a:off x="311700" y="2129752"/>
+            <a:ext cx="3549956" cy="1597215"/>
+          </a:xfrm>
+          <a:prstGeom prst="rect">
+            <a:avLst/>
+          </a:prstGeom>
+        </p:spPr>
+      </p:pic>
+      <p:pic>
+        <p:nvPicPr>
+          <p:cNvPr id="7" name="Picture 6"/>
+          <p:cNvPicPr>
+            <a:picLocks noChangeAspect="1"/>
+          </p:cNvPicPr>
+          <p:nvPr/>
+        </p:nvPicPr>
+        <p:blipFill>
+          <a:blip r:embed="rId7"/>
+          <a:stretch>
+            <a:fillRect/>
+          </a:stretch>
+        </p:blipFill>
+        <p:spPr>
+          <a:xfrm>
+            <a:off x="194531" y="3742011"/>
+            <a:ext cx="4743243" cy="1203796"/>
           </a:xfrm>
           <a:prstGeom prst="rect">
             <a:avLst/>
@@ -8151,24 +7786,17 @@
     </p:spTree>
     <p:extLst>
       <p:ext uri="{BB962C8B-B14F-4D97-AF65-F5344CB8AC3E}">
-        <p14:creationId xmlns:p14="http://schemas.microsoft.com/office/powerpoint/2010/main" val="1663670296"/>
+        <p14:creationId xmlns:p14="http://schemas.microsoft.com/office/powerpoint/2010/main" val="1775134047"/>
       </p:ext>
     </p:extLst>
   </p:cSld>
   <p:clrMapOvr>
     <a:masterClrMapping/>
   </p:clrMapOvr>
-  <p:timing>
-    <p:tnLst>
-      <p:par>
-        <p:cTn id="1" dur="indefinite" restart="never" nodeType="tmRoot"/>
-      </p:par>
-    </p:tnLst>
-  </p:timing>
 </p:sld>
 </file>
 
-<file path=ppt/slides/slide17.xml><?xml version="1.0" encoding="utf-8"?>
+<file path=ppt/slides/slide13.xml><?xml version="1.0" encoding="utf-8"?>
 <p:sld xmlns:a="http://schemas.openxmlformats.org/drawingml/2006/main" xmlns:r="http://schemas.openxmlformats.org/officeDocument/2006/relationships" xmlns:p="http://schemas.openxmlformats.org/presentationml/2006/main">
   <p:cSld>
     <p:spTree>
@@ -8204,7 +7832,7 @@
           <a:p>
             <a:r>
               <a:rPr lang="en-US" dirty="0" smtClean="0"/>
-              <a:t>Environment and distribution shift</a:t>
+              <a:t>Backpropagation</a:t>
             </a:r>
             <a:endParaRPr lang="en-US" dirty="0"/>
           </a:p>
@@ -8225,54 +7853,53 @@
           <a:bodyPr/>
           <a:lstStyle/>
           <a:p>
-            <a:r>
-              <a:rPr lang="en-US" dirty="0" smtClean="0"/>
-              <a:t>Covariate shift</a:t>
-            </a:r>
-          </a:p>
-          <a:p>
-            <a:r>
-              <a:rPr lang="en-US" dirty="0" smtClean="0"/>
-              <a:t>Label shift</a:t>
-            </a:r>
-          </a:p>
-          <a:p>
-            <a:r>
-              <a:rPr lang="en-US" dirty="0"/>
-              <a:t>Concept Shift</a:t>
-            </a:r>
-          </a:p>
-          <a:p>
-            <a:endParaRPr lang="en-US" dirty="0"/>
+            <a:endParaRPr lang="en-US"/>
           </a:p>
         </p:txBody>
       </p:sp>
+      <p:pic>
+        <p:nvPicPr>
+          <p:cNvPr id="4" name="Picture 3"/>
+          <p:cNvPicPr>
+            <a:picLocks noChangeAspect="1"/>
+          </p:cNvPicPr>
+          <p:nvPr/>
+        </p:nvPicPr>
+        <p:blipFill>
+          <a:blip r:embed="rId2"/>
+          <a:stretch>
+            <a:fillRect/>
+          </a:stretch>
+        </p:blipFill>
+        <p:spPr>
+          <a:xfrm>
+            <a:off x="3055454" y="731375"/>
+            <a:ext cx="4295512" cy="4335532"/>
+          </a:xfrm>
+          <a:prstGeom prst="rect">
+            <a:avLst/>
+          </a:prstGeom>
+        </p:spPr>
+      </p:pic>
     </p:spTree>
     <p:extLst>
       <p:ext uri="{BB962C8B-B14F-4D97-AF65-F5344CB8AC3E}">
-        <p14:creationId xmlns:p14="http://schemas.microsoft.com/office/powerpoint/2010/main" val="3633552660"/>
+        <p14:creationId xmlns:p14="http://schemas.microsoft.com/office/powerpoint/2010/main" val="3941577688"/>
       </p:ext>
     </p:extLst>
   </p:cSld>
   <p:clrMapOvr>
     <a:masterClrMapping/>
   </p:clrMapOvr>
-  <p:timing>
-    <p:tnLst>
-      <p:par>
-        <p:cTn id="1" dur="indefinite" restart="never" nodeType="tmRoot"/>
-      </p:par>
-    </p:tnLst>
-  </p:timing>
 </p:sld>
 </file>
 
-<file path=ppt/slides/slide18.xml><?xml version="1.0" encoding="utf-8"?>
+<file path=ppt/slides/slide14.xml><?xml version="1.0" encoding="utf-8"?>
 <p:sld xmlns:a="http://schemas.openxmlformats.org/drawingml/2006/main" xmlns:r="http://schemas.openxmlformats.org/officeDocument/2006/relationships" xmlns:p="http://schemas.openxmlformats.org/presentationml/2006/main">
   <p:cSld>
     <p:spTree>
       <p:nvGrpSpPr>
-        <p:cNvPr id="1" name=""/>
+        <p:cNvPr id="1" name="Shape 132"/>
         <p:cNvGrpSpPr/>
         <p:nvPr/>
       </p:nvGrpSpPr>
@@ -8286,39 +7913,740 @@
       </p:grpSpPr>
       <p:sp>
         <p:nvSpPr>
-          <p:cNvPr id="4" name="Title 3"/>
-          <p:cNvSpPr>
+          <p:cNvPr id="133" name="Google Shape;133;p27"/>
+          <p:cNvSpPr txBox="1">
             <a:spLocks noGrp="1"/>
           </p:cNvSpPr>
           <p:nvPr>
             <p:ph type="title"/>
           </p:nvPr>
         </p:nvSpPr>
-        <p:spPr/>
+        <p:spPr>
+          <a:xfrm>
+            <a:off x="311700" y="445025"/>
+            <a:ext cx="8520600" cy="572700"/>
+          </a:xfrm>
+          <a:prstGeom prst="rect">
+            <a:avLst/>
+          </a:prstGeom>
+        </p:spPr>
         <p:txBody>
-          <a:bodyPr/>
+          <a:bodyPr spcFirstLastPara="1" wrap="square" lIns="91425" tIns="91425" rIns="91425" bIns="91425" anchor="t" anchorCtr="0">
+            <a:normAutofit fontScale="90000"/>
+          </a:bodyPr>
           <a:lstStyle/>
           <a:p>
-            <a:r>
-              <a:rPr lang="fr-FR" dirty="0" err="1" smtClean="0"/>
-              <a:t>Tensorflow</a:t>
-            </a:r>
-            <a:r>
-              <a:rPr lang="fr-FR" dirty="0" smtClean="0"/>
-              <a:t>/</a:t>
-            </a:r>
-            <a:r>
-              <a:rPr lang="fr-FR" dirty="0" err="1" smtClean="0"/>
-              <a:t>Keras</a:t>
-            </a:r>
+            <a:pPr marL="0" lvl="0" indent="0" algn="l" rtl="0">
+              <a:spcBef>
+                <a:spcPts val="0"/>
+              </a:spcBef>
+              <a:spcAft>
+                <a:spcPts val="0"/>
+              </a:spcAft>
+              <a:buNone/>
+            </a:pPr>
+            <a:r>
+              <a:rPr lang="en-GB" dirty="0" smtClean="0"/>
+              <a:t>Training loop</a:t>
+            </a:r>
+            <a:endParaRPr dirty="0"/>
+          </a:p>
+        </p:txBody>
+      </p:sp>
+      <p:sp>
+        <p:nvSpPr>
+          <p:cNvPr id="134" name="Google Shape;134;p27"/>
+          <p:cNvSpPr txBox="1">
+            <a:spLocks noGrp="1"/>
+          </p:cNvSpPr>
+          <p:nvPr>
+            <p:ph type="body" idx="1"/>
+          </p:nvPr>
+        </p:nvSpPr>
+        <p:spPr>
+          <a:xfrm>
+            <a:off x="311700" y="1152475"/>
+            <a:ext cx="8520600" cy="3416400"/>
+          </a:xfrm>
+          <a:prstGeom prst="rect">
+            <a:avLst/>
+          </a:prstGeom>
+        </p:spPr>
+        <p:txBody>
+          <a:bodyPr spcFirstLastPara="1" wrap="square" lIns="91425" tIns="91425" rIns="91425" bIns="91425" anchor="t" anchorCtr="0">
+            <a:normAutofit/>
+          </a:bodyPr>
+          <a:lstStyle/>
+          <a:p>
+            <a:pPr marL="0" lvl="0" indent="0" algn="l" rtl="0">
+              <a:spcBef>
+                <a:spcPts val="0"/>
+              </a:spcBef>
+              <a:spcAft>
+                <a:spcPts val="1200"/>
+              </a:spcAft>
+              <a:buNone/>
+            </a:pPr>
+            <a:endParaRPr/>
+          </a:p>
+        </p:txBody>
+      </p:sp>
+      <p:pic>
+        <p:nvPicPr>
+          <p:cNvPr id="4098" name="Picture 2" descr="The Simple Explanation of the Concept of backpropagation — DATA SCIENCE"/>
+          <p:cNvPicPr>
+            <a:picLocks noChangeAspect="1" noChangeArrowheads="1"/>
+          </p:cNvPicPr>
+          <p:nvPr/>
+        </p:nvPicPr>
+        <p:blipFill>
+          <a:blip r:embed="rId3">
+            <a:extLst>
+              <a:ext uri="{28A0092B-C50C-407E-A947-70E740481C1C}">
+                <a14:useLocalDpi xmlns:a14="http://schemas.microsoft.com/office/drawing/2010/main" val="0"/>
+              </a:ext>
+            </a:extLst>
+          </a:blip>
+          <a:srcRect/>
+          <a:stretch>
+            <a:fillRect/>
+          </a:stretch>
+        </p:blipFill>
+        <p:spPr bwMode="auto">
+          <a:xfrm>
+            <a:off x="1908622" y="1512034"/>
+            <a:ext cx="5444020" cy="2697282"/>
+          </a:xfrm>
+          <a:prstGeom prst="rect">
+            <a:avLst/>
+          </a:prstGeom>
+          <a:noFill/>
+          <a:extLst>
+            <a:ext uri="{909E8E84-426E-40DD-AFC4-6F175D3DCCD1}">
+              <a14:hiddenFill xmlns:a14="http://schemas.microsoft.com/office/drawing/2010/main">
+                <a:solidFill>
+                  <a:srgbClr val="FFFFFF"/>
+                </a:solidFill>
+              </a14:hiddenFill>
+            </a:ext>
+          </a:extLst>
+        </p:spPr>
+      </p:pic>
+    </p:spTree>
+  </p:cSld>
+  <p:clrMapOvr>
+    <a:masterClrMapping/>
+  </p:clrMapOvr>
+</p:sld>
+</file>
+
+<file path=ppt/slides/slide15.xml><?xml version="1.0" encoding="utf-8"?>
+<p:sld xmlns:a="http://schemas.openxmlformats.org/drawingml/2006/main" xmlns:r="http://schemas.openxmlformats.org/officeDocument/2006/relationships" xmlns:p="http://schemas.openxmlformats.org/presentationml/2006/main">
+  <p:cSld>
+    <p:spTree>
+      <p:nvGrpSpPr>
+        <p:cNvPr id="1" name="Shape 138"/>
+        <p:cNvGrpSpPr/>
+        <p:nvPr/>
+      </p:nvGrpSpPr>
+      <p:grpSpPr>
+        <a:xfrm>
+          <a:off x="0" y="0"/>
+          <a:ext cx="0" cy="0"/>
+          <a:chOff x="0" y="0"/>
+          <a:chExt cx="0" cy="0"/>
+        </a:xfrm>
+      </p:grpSpPr>
+      <p:sp>
+        <p:nvSpPr>
+          <p:cNvPr id="139" name="Google Shape;139;p28"/>
+          <p:cNvSpPr txBox="1">
+            <a:spLocks noGrp="1"/>
+          </p:cNvSpPr>
+          <p:nvPr>
+            <p:ph type="title"/>
+          </p:nvPr>
+        </p:nvSpPr>
+        <p:spPr>
+          <a:xfrm>
+            <a:off x="311700" y="445025"/>
+            <a:ext cx="8520600" cy="572700"/>
+          </a:xfrm>
+          <a:prstGeom prst="rect">
+            <a:avLst/>
+          </a:prstGeom>
+        </p:spPr>
+        <p:txBody>
+          <a:bodyPr spcFirstLastPara="1" wrap="square" lIns="91425" tIns="91425" rIns="91425" bIns="91425" anchor="t" anchorCtr="0">
+            <a:normAutofit fontScale="90000"/>
+          </a:bodyPr>
+          <a:lstStyle/>
+          <a:p>
+            <a:pPr marL="0" lvl="0" indent="0" algn="l" rtl="0">
+              <a:spcBef>
+                <a:spcPts val="0"/>
+              </a:spcBef>
+              <a:spcAft>
+                <a:spcPts val="0"/>
+              </a:spcAft>
+              <a:buNone/>
+            </a:pPr>
+            <a:r>
+              <a:rPr lang="en-GB" dirty="0" smtClean="0"/>
+              <a:t>Vanishing Gradients</a:t>
+            </a:r>
+            <a:endParaRPr dirty="0"/>
+          </a:p>
+        </p:txBody>
+      </p:sp>
+      <p:sp>
+        <p:nvSpPr>
+          <p:cNvPr id="140" name="Google Shape;140;p28"/>
+          <p:cNvSpPr txBox="1">
+            <a:spLocks noGrp="1"/>
+          </p:cNvSpPr>
+          <p:nvPr>
+            <p:ph type="body" idx="1"/>
+          </p:nvPr>
+        </p:nvSpPr>
+        <p:spPr>
+          <a:xfrm>
+            <a:off x="311700" y="1152475"/>
+            <a:ext cx="8520600" cy="3416400"/>
+          </a:xfrm>
+          <a:prstGeom prst="rect">
+            <a:avLst/>
+          </a:prstGeom>
+        </p:spPr>
+        <p:txBody>
+          <a:bodyPr spcFirstLastPara="1" wrap="square" lIns="91425" tIns="91425" rIns="91425" bIns="91425" anchor="t" anchorCtr="0">
+            <a:normAutofit/>
+          </a:bodyPr>
+          <a:lstStyle/>
+          <a:p>
+            <a:r>
+              <a:rPr lang="en-US" dirty="0"/>
+              <a:t>The model will improve very slowly during the training phase and it is also possible that training stops very early, meaning that any further training does not improve the model.</a:t>
+            </a:r>
+          </a:p>
+          <a:p>
+            <a:r>
+              <a:rPr lang="en-US" dirty="0"/>
+              <a:t>The weights closer to the output layer of the model would witness more of a change whereas the layers that occur closer to the input layer would not change much (if at all).</a:t>
+            </a:r>
+          </a:p>
+          <a:p>
+            <a:r>
+              <a:rPr lang="en-US" dirty="0"/>
+              <a:t>Model weights shrink exponentially and become very small when training the model.</a:t>
+            </a:r>
+          </a:p>
+          <a:p>
+            <a:r>
+              <a:rPr lang="en-US" dirty="0"/>
+              <a:t>The model weights become 0 in the training phase.</a:t>
+            </a:r>
+          </a:p>
+          <a:p>
+            <a:pPr marL="0" lvl="0" indent="0" algn="l" rtl="0">
+              <a:spcBef>
+                <a:spcPts val="0"/>
+              </a:spcBef>
+              <a:spcAft>
+                <a:spcPts val="1200"/>
+              </a:spcAft>
+              <a:buNone/>
+            </a:pPr>
+            <a:endParaRPr dirty="0"/>
+          </a:p>
+        </p:txBody>
+      </p:sp>
+    </p:spTree>
+  </p:cSld>
+  <p:clrMapOvr>
+    <a:masterClrMapping/>
+  </p:clrMapOvr>
+</p:sld>
+</file>
+
+<file path=ppt/slides/slide16.xml><?xml version="1.0" encoding="utf-8"?>
+<p:sld xmlns:a="http://schemas.openxmlformats.org/drawingml/2006/main" xmlns:r="http://schemas.openxmlformats.org/officeDocument/2006/relationships" xmlns:p="http://schemas.openxmlformats.org/presentationml/2006/main">
+  <p:cSld>
+    <p:spTree>
+      <p:nvGrpSpPr>
+        <p:cNvPr id="1" name="Shape 138"/>
+        <p:cNvGrpSpPr/>
+        <p:nvPr/>
+      </p:nvGrpSpPr>
+      <p:grpSpPr>
+        <a:xfrm>
+          <a:off x="0" y="0"/>
+          <a:ext cx="0" cy="0"/>
+          <a:chOff x="0" y="0"/>
+          <a:chExt cx="0" cy="0"/>
+        </a:xfrm>
+      </p:grpSpPr>
+      <p:sp>
+        <p:nvSpPr>
+          <p:cNvPr id="139" name="Google Shape;139;p28"/>
+          <p:cNvSpPr txBox="1">
+            <a:spLocks noGrp="1"/>
+          </p:cNvSpPr>
+          <p:nvPr>
+            <p:ph type="title"/>
+          </p:nvPr>
+        </p:nvSpPr>
+        <p:spPr>
+          <a:xfrm>
+            <a:off x="311700" y="445025"/>
+            <a:ext cx="8520600" cy="572700"/>
+          </a:xfrm>
+          <a:prstGeom prst="rect">
+            <a:avLst/>
+          </a:prstGeom>
+        </p:spPr>
+        <p:txBody>
+          <a:bodyPr spcFirstLastPara="1" wrap="square" lIns="91425" tIns="91425" rIns="91425" bIns="91425" anchor="t" anchorCtr="0">
+            <a:normAutofit fontScale="90000"/>
+          </a:bodyPr>
+          <a:lstStyle/>
+          <a:p>
+            <a:pPr marL="0" lvl="0" indent="0" algn="l" rtl="0">
+              <a:spcBef>
+                <a:spcPts val="0"/>
+              </a:spcBef>
+              <a:spcAft>
+                <a:spcPts val="0"/>
+              </a:spcAft>
+              <a:buNone/>
+            </a:pPr>
+            <a:r>
+              <a:rPr lang="en-GB" dirty="0" smtClean="0"/>
+              <a:t>Vanishing Gradients</a:t>
+            </a:r>
+            <a:endParaRPr dirty="0"/>
+          </a:p>
+        </p:txBody>
+      </p:sp>
+      <p:pic>
+        <p:nvPicPr>
+          <p:cNvPr id="2" name="Picture 1"/>
+          <p:cNvPicPr>
+            <a:picLocks noChangeAspect="1"/>
+          </p:cNvPicPr>
+          <p:nvPr/>
+        </p:nvPicPr>
+        <p:blipFill>
+          <a:blip r:embed="rId3"/>
+          <a:stretch>
+            <a:fillRect/>
+          </a:stretch>
+        </p:blipFill>
+        <p:spPr>
+          <a:xfrm>
+            <a:off x="2597632" y="1633330"/>
+            <a:ext cx="4505325" cy="2552700"/>
+          </a:xfrm>
+          <a:prstGeom prst="rect">
+            <a:avLst/>
+          </a:prstGeom>
+        </p:spPr>
+      </p:pic>
+    </p:spTree>
+    <p:extLst>
+      <p:ext uri="{BB962C8B-B14F-4D97-AF65-F5344CB8AC3E}">
+        <p14:creationId xmlns:p14="http://schemas.microsoft.com/office/powerpoint/2010/main" val="1607833550"/>
+      </p:ext>
+    </p:extLst>
+  </p:cSld>
+  <p:clrMapOvr>
+    <a:masterClrMapping/>
+  </p:clrMapOvr>
+</p:sld>
+</file>
+
+<file path=ppt/slides/slide17.xml><?xml version="1.0" encoding="utf-8"?>
+<p:sld xmlns:a="http://schemas.openxmlformats.org/drawingml/2006/main" xmlns:r="http://schemas.openxmlformats.org/officeDocument/2006/relationships" xmlns:p="http://schemas.openxmlformats.org/presentationml/2006/main">
+  <p:cSld>
+    <p:spTree>
+      <p:nvGrpSpPr>
+        <p:cNvPr id="1" name="Shape 144"/>
+        <p:cNvGrpSpPr/>
+        <p:nvPr/>
+      </p:nvGrpSpPr>
+      <p:grpSpPr>
+        <a:xfrm>
+          <a:off x="0" y="0"/>
+          <a:ext cx="0" cy="0"/>
+          <a:chOff x="0" y="0"/>
+          <a:chExt cx="0" cy="0"/>
+        </a:xfrm>
+      </p:grpSpPr>
+      <p:sp>
+        <p:nvSpPr>
+          <p:cNvPr id="145" name="Google Shape;145;p29"/>
+          <p:cNvSpPr txBox="1">
+            <a:spLocks noGrp="1"/>
+          </p:cNvSpPr>
+          <p:nvPr>
+            <p:ph type="title"/>
+          </p:nvPr>
+        </p:nvSpPr>
+        <p:spPr>
+          <a:xfrm>
+            <a:off x="311700" y="445025"/>
+            <a:ext cx="8520600" cy="572700"/>
+          </a:xfrm>
+          <a:prstGeom prst="rect">
+            <a:avLst/>
+          </a:prstGeom>
+        </p:spPr>
+        <p:txBody>
+          <a:bodyPr spcFirstLastPara="1" wrap="square" lIns="91425" tIns="91425" rIns="91425" bIns="91425" anchor="t" anchorCtr="0">
+            <a:normAutofit fontScale="90000"/>
+          </a:bodyPr>
+          <a:lstStyle/>
+          <a:p>
+            <a:pPr lvl="0"/>
+            <a:r>
+              <a:rPr lang="en-GB" dirty="0" smtClean="0"/>
+              <a:t>Exploding gradient</a:t>
+            </a:r>
+            <a:endParaRPr dirty="0"/>
+          </a:p>
+        </p:txBody>
+      </p:sp>
+      <p:sp>
+        <p:nvSpPr>
+          <p:cNvPr id="146" name="Google Shape;146;p29"/>
+          <p:cNvSpPr txBox="1">
+            <a:spLocks noGrp="1"/>
+          </p:cNvSpPr>
+          <p:nvPr>
+            <p:ph type="body" idx="1"/>
+          </p:nvPr>
+        </p:nvSpPr>
+        <p:spPr>
+          <a:xfrm>
+            <a:off x="311700" y="1152475"/>
+            <a:ext cx="8520600" cy="3416400"/>
+          </a:xfrm>
+          <a:prstGeom prst="rect">
+            <a:avLst/>
+          </a:prstGeom>
+        </p:spPr>
+        <p:txBody>
+          <a:bodyPr spcFirstLastPara="1" wrap="square" lIns="91425" tIns="91425" rIns="91425" bIns="91425" anchor="t" anchorCtr="0">
+            <a:normAutofit lnSpcReduction="10000"/>
+          </a:bodyPr>
+          <a:lstStyle/>
+          <a:p>
+            <a:r>
+              <a:rPr lang="en-US" dirty="0"/>
+              <a:t>The model is not learning much on the training data therefore resulting in a poor loss.</a:t>
+            </a:r>
+          </a:p>
+          <a:p>
+            <a:r>
+              <a:rPr lang="en-US" dirty="0"/>
+              <a:t>The model will have large changes in loss on each update due to the models instability.</a:t>
+            </a:r>
+          </a:p>
+          <a:p>
+            <a:r>
+              <a:rPr lang="en-US" dirty="0"/>
+              <a:t>The models loss will be </a:t>
+            </a:r>
+            <a:r>
+              <a:rPr lang="en-US" dirty="0" err="1"/>
+              <a:t>NaN</a:t>
+            </a:r>
+            <a:r>
+              <a:rPr lang="en-US" dirty="0"/>
+              <a:t> during training</a:t>
+            </a:r>
+            <a:r>
+              <a:rPr lang="en-US" dirty="0" smtClean="0"/>
+              <a:t>.</a:t>
+            </a:r>
+          </a:p>
+          <a:p>
             <a:endParaRPr lang="en-US" dirty="0"/>
+          </a:p>
+          <a:p>
+            <a:endParaRPr lang="en-US" dirty="0" smtClean="0"/>
+          </a:p>
+          <a:p>
+            <a:r>
+              <a:rPr lang="en-US" dirty="0"/>
+              <a:t>Model weights grow exponentially and become very large when training the model.</a:t>
+            </a:r>
+          </a:p>
+          <a:p>
+            <a:r>
+              <a:rPr lang="en-US" dirty="0"/>
+              <a:t>The model weights become </a:t>
+            </a:r>
+            <a:r>
+              <a:rPr lang="en-US" dirty="0" err="1"/>
+              <a:t>NaN</a:t>
+            </a:r>
+            <a:r>
+              <a:rPr lang="en-US" dirty="0"/>
+              <a:t> in the training phase.</a:t>
+            </a:r>
+          </a:p>
+          <a:p>
+            <a:r>
+              <a:rPr lang="en-US" dirty="0"/>
+              <a:t>The derivatives are constantly</a:t>
+            </a:r>
+          </a:p>
+          <a:p>
+            <a:endParaRPr lang="en-US" dirty="0"/>
+          </a:p>
+          <a:p>
+            <a:pPr marL="0" lvl="0" indent="0" algn="l" rtl="0">
+              <a:spcBef>
+                <a:spcPts val="0"/>
+              </a:spcBef>
+              <a:spcAft>
+                <a:spcPts val="1200"/>
+              </a:spcAft>
+              <a:buNone/>
+            </a:pPr>
+            <a:endParaRPr dirty="0"/>
+          </a:p>
+        </p:txBody>
+      </p:sp>
+    </p:spTree>
+  </p:cSld>
+  <p:clrMapOvr>
+    <a:masterClrMapping/>
+  </p:clrMapOvr>
+</p:sld>
+</file>
+
+<file path=ppt/slides/slide18.xml><?xml version="1.0" encoding="utf-8"?>
+<p:sld xmlns:a="http://schemas.openxmlformats.org/drawingml/2006/main" xmlns:r="http://schemas.openxmlformats.org/officeDocument/2006/relationships" xmlns:p="http://schemas.openxmlformats.org/presentationml/2006/main">
+  <p:cSld>
+    <p:spTree>
+      <p:nvGrpSpPr>
+        <p:cNvPr id="1" name="Shape 144"/>
+        <p:cNvGrpSpPr/>
+        <p:nvPr/>
+      </p:nvGrpSpPr>
+      <p:grpSpPr>
+        <a:xfrm>
+          <a:off x="0" y="0"/>
+          <a:ext cx="0" cy="0"/>
+          <a:chOff x="0" y="0"/>
+          <a:chExt cx="0" cy="0"/>
+        </a:xfrm>
+      </p:grpSpPr>
+      <p:sp>
+        <p:nvSpPr>
+          <p:cNvPr id="145" name="Google Shape;145;p29"/>
+          <p:cNvSpPr txBox="1">
+            <a:spLocks noGrp="1"/>
+          </p:cNvSpPr>
+          <p:nvPr>
+            <p:ph type="title"/>
+          </p:nvPr>
+        </p:nvSpPr>
+        <p:spPr>
+          <a:xfrm>
+            <a:off x="311700" y="445025"/>
+            <a:ext cx="8520600" cy="572700"/>
+          </a:xfrm>
+          <a:prstGeom prst="rect">
+            <a:avLst/>
+          </a:prstGeom>
+        </p:spPr>
+        <p:txBody>
+          <a:bodyPr spcFirstLastPara="1" wrap="square" lIns="91425" tIns="91425" rIns="91425" bIns="91425" anchor="t" anchorCtr="0">
+            <a:normAutofit fontScale="90000"/>
+          </a:bodyPr>
+          <a:lstStyle/>
+          <a:p>
+            <a:pPr lvl="0"/>
+            <a:r>
+              <a:rPr lang="en-GB" dirty="0" smtClean="0"/>
+              <a:t>Solution</a:t>
+            </a:r>
+            <a:endParaRPr dirty="0"/>
+          </a:p>
+        </p:txBody>
+      </p:sp>
+      <p:sp>
+        <p:nvSpPr>
+          <p:cNvPr id="146" name="Google Shape;146;p29"/>
+          <p:cNvSpPr txBox="1">
+            <a:spLocks noGrp="1"/>
+          </p:cNvSpPr>
+          <p:nvPr>
+            <p:ph type="body" idx="1"/>
+          </p:nvPr>
+        </p:nvSpPr>
+        <p:spPr>
+          <a:xfrm>
+            <a:off x="311700" y="1152475"/>
+            <a:ext cx="8520600" cy="3416400"/>
+          </a:xfrm>
+          <a:prstGeom prst="rect">
+            <a:avLst/>
+          </a:prstGeom>
+        </p:spPr>
+        <p:txBody>
+          <a:bodyPr spcFirstLastPara="1" wrap="square" lIns="91425" tIns="91425" rIns="91425" bIns="91425" anchor="t" anchorCtr="0">
+            <a:normAutofit fontScale="77500" lnSpcReduction="20000"/>
+          </a:bodyPr>
+          <a:lstStyle/>
+          <a:p>
+            <a:r>
+              <a:rPr lang="en-US" b="1" dirty="0" smtClean="0"/>
+              <a:t>1. Reducing </a:t>
+            </a:r>
+            <a:r>
+              <a:rPr lang="en-US" b="1" dirty="0"/>
+              <a:t>the amount of Layers</a:t>
+            </a:r>
+            <a:endParaRPr lang="en-US" dirty="0"/>
+          </a:p>
+          <a:p>
+            <a:pPr marL="114300" indent="0">
+              <a:buNone/>
+            </a:pPr>
+            <a:r>
+              <a:rPr lang="en-US" dirty="0"/>
+              <a:t>This is the solution could be used in both, scenarios (exploding and vanishing gradient). However, by reducing the amount of layers in our network, we give up some of our models complexity, since having more layers makes the networks more capable of representing complex mappings</a:t>
+            </a:r>
+            <a:r>
+              <a:rPr lang="en-US" dirty="0" smtClean="0"/>
+              <a:t>.</a:t>
+            </a:r>
+          </a:p>
+          <a:p>
+            <a:pPr marL="114300" indent="0">
+              <a:buNone/>
+            </a:pPr>
+            <a:endParaRPr lang="en-US" dirty="0"/>
+          </a:p>
+          <a:p>
+            <a:r>
+              <a:rPr lang="en-US" b="1" dirty="0"/>
+              <a:t>2. Gradient Clipping (Exploding Gradients)</a:t>
+            </a:r>
+            <a:endParaRPr lang="en-US" dirty="0"/>
+          </a:p>
+          <a:p>
+            <a:pPr marL="114300" indent="0">
+              <a:buNone/>
+            </a:pPr>
+            <a:r>
+              <a:rPr lang="en-US" dirty="0"/>
+              <a:t>Checking for and limiting the size of the gradients whilst our model trains is another solution. Going into the details of this technique is beyond the scope of this article, but you can read more about gradient clipping in an article by </a:t>
+            </a:r>
+            <a:r>
+              <a:rPr lang="en-US" dirty="0" err="1" smtClean="0">
+                <a:hlinkClick r:id="rId3"/>
+              </a:rPr>
+              <a:t>Wanshun</a:t>
+            </a:r>
+            <a:r>
+              <a:rPr lang="en-US" dirty="0" smtClean="0">
+                <a:hlinkClick r:id="rId3"/>
+              </a:rPr>
+              <a:t> Wong</a:t>
+            </a:r>
+            <a:r>
+              <a:rPr lang="en-US" dirty="0"/>
+              <a:t> titled What is </a:t>
+            </a:r>
+            <a:r>
+              <a:rPr lang="en-US" u="sng" dirty="0">
+                <a:hlinkClick r:id="rId4"/>
+              </a:rPr>
+              <a:t>Gradient </a:t>
+            </a:r>
+            <a:r>
+              <a:rPr lang="en-US" u="sng" dirty="0" smtClean="0">
+                <a:hlinkClick r:id="rId4"/>
+              </a:rPr>
+              <a:t>Clipping</a:t>
+            </a:r>
+            <a:r>
+              <a:rPr lang="en-US" dirty="0" smtClean="0"/>
+              <a:t>.</a:t>
+            </a:r>
+          </a:p>
+          <a:p>
+            <a:pPr marL="114300" indent="0">
+              <a:buNone/>
+            </a:pPr>
+            <a:endParaRPr lang="en-US" dirty="0" smtClean="0"/>
+          </a:p>
+          <a:p>
+            <a:r>
+              <a:rPr lang="en-US" b="1" dirty="0" smtClean="0"/>
+              <a:t>3</a:t>
+            </a:r>
+            <a:r>
+              <a:rPr lang="en-US" b="1" dirty="0"/>
+              <a:t>. Weight Initialization</a:t>
+            </a:r>
+            <a:endParaRPr lang="en-US" dirty="0"/>
+          </a:p>
+          <a:p>
+            <a:pPr marL="114300" indent="0">
+              <a:buNone/>
+            </a:pPr>
+            <a:r>
+              <a:rPr lang="en-US" dirty="0"/>
+              <a:t>A more careful initialization choice of the random initialization for your network tends to be a partial solution, since it does not solve the problem completely. Check out this article by </a:t>
+            </a:r>
+            <a:r>
+              <a:rPr lang="en-US" dirty="0" smtClean="0">
+                <a:hlinkClick r:id="rId5"/>
+              </a:rPr>
+              <a:t>James Dellinger</a:t>
+            </a:r>
+            <a:r>
+              <a:rPr lang="en-US" dirty="0"/>
+              <a:t> - </a:t>
+            </a:r>
+            <a:r>
+              <a:rPr lang="en-US" u="sng" dirty="0">
+                <a:hlinkClick r:id="rId6"/>
+              </a:rPr>
+              <a:t>Weight Initialization in Neural Networks: A journey from the basics to </a:t>
+            </a:r>
+            <a:r>
+              <a:rPr lang="en-US" u="sng" dirty="0" err="1">
+                <a:hlinkClick r:id="rId6"/>
+              </a:rPr>
+              <a:t>Kaiming</a:t>
+            </a:r>
+            <a:endParaRPr lang="en-US" dirty="0"/>
+          </a:p>
+          <a:p>
+            <a:pPr marL="0" lvl="0" indent="0" algn="l" rtl="0">
+              <a:spcBef>
+                <a:spcPts val="0"/>
+              </a:spcBef>
+              <a:spcAft>
+                <a:spcPts val="1200"/>
+              </a:spcAft>
+              <a:buNone/>
+            </a:pPr>
+            <a:endParaRPr dirty="0"/>
           </a:p>
         </p:txBody>
       </p:sp>
     </p:spTree>
     <p:extLst>
       <p:ext uri="{BB962C8B-B14F-4D97-AF65-F5344CB8AC3E}">
-        <p14:creationId xmlns:p14="http://schemas.microsoft.com/office/powerpoint/2010/main" val="332148522"/>
+        <p14:creationId xmlns:p14="http://schemas.microsoft.com/office/powerpoint/2010/main" val="3839797778"/>
       </p:ext>
     </p:extLst>
   </p:cSld>
@@ -8347,7 +8675,7 @@
       </p:grpSpPr>
       <p:sp>
         <p:nvSpPr>
-          <p:cNvPr id="3" name="Title 2"/>
+          <p:cNvPr id="2" name="Title 1"/>
           <p:cNvSpPr>
             <a:spLocks noGrp="1"/>
           </p:cNvSpPr>
@@ -8363,8 +8691,8 @@
           <a:lstStyle/>
           <a:p>
             <a:r>
-              <a:rPr lang="fr-FR" dirty="0" smtClean="0"/>
-              <a:t>Setup</a:t>
+              <a:rPr lang="en-US" dirty="0" smtClean="0"/>
+              <a:t>Parameter initialization</a:t>
             </a:r>
             <a:endParaRPr lang="en-US" dirty="0"/>
           </a:p>
@@ -8372,7 +8700,7 @@
       </p:sp>
       <p:sp>
         <p:nvSpPr>
-          <p:cNvPr id="4" name="Text Placeholder 3"/>
+          <p:cNvPr id="3" name="Text Placeholder 2"/>
           <p:cNvSpPr>
             <a:spLocks noGrp="1"/>
           </p:cNvSpPr>
@@ -8385,20 +8713,70 @@
           <a:bodyPr/>
           <a:lstStyle/>
           <a:p>
-            <a:endParaRPr lang="en-US"/>
+            <a:r>
+              <a:rPr lang="en-US" dirty="0" smtClean="0"/>
+              <a:t>Default</a:t>
+            </a:r>
+          </a:p>
+          <a:p>
+            <a:endParaRPr lang="en-US" dirty="0"/>
+          </a:p>
+          <a:p>
+            <a:r>
+              <a:rPr lang="en-US" dirty="0" smtClean="0"/>
+              <a:t>Xavier</a:t>
+            </a:r>
+            <a:endParaRPr lang="en-US" dirty="0"/>
           </a:p>
         </p:txBody>
       </p:sp>
+      <p:pic>
+        <p:nvPicPr>
+          <p:cNvPr id="4" name="Picture 3"/>
+          <p:cNvPicPr>
+            <a:picLocks noChangeAspect="1"/>
+          </p:cNvPicPr>
+          <p:nvPr/>
+        </p:nvPicPr>
+        <p:blipFill>
+          <a:blip r:embed="rId3">
+            <a:extLst>
+              <a:ext uri="{28A0092B-C50C-407E-A947-70E740481C1C}">
+                <a14:useLocalDpi xmlns:a14="http://schemas.microsoft.com/office/drawing/2010/main" val="0"/>
+              </a:ext>
+            </a:extLst>
+          </a:blip>
+          <a:stretch>
+            <a:fillRect/>
+          </a:stretch>
+        </p:blipFill>
+        <p:spPr>
+          <a:xfrm>
+            <a:off x="4660793" y="1152475"/>
+            <a:ext cx="3739429" cy="3033092"/>
+          </a:xfrm>
+          <a:prstGeom prst="rect">
+            <a:avLst/>
+          </a:prstGeom>
+        </p:spPr>
+      </p:pic>
     </p:spTree>
     <p:extLst>
       <p:ext uri="{BB962C8B-B14F-4D97-AF65-F5344CB8AC3E}">
-        <p14:creationId xmlns:p14="http://schemas.microsoft.com/office/powerpoint/2010/main" val="3479948244"/>
+        <p14:creationId xmlns:p14="http://schemas.microsoft.com/office/powerpoint/2010/main" val="1663670296"/>
       </p:ext>
     </p:extLst>
   </p:cSld>
   <p:clrMapOvr>
     <a:masterClrMapping/>
   </p:clrMapOvr>
+  <p:timing>
+    <p:tnLst>
+      <p:par>
+        <p:cTn id="1" dur="indefinite" restart="never" nodeType="tmRoot"/>
+      </p:par>
+    </p:tnLst>
+  </p:timing>
 </p:sld>
 </file>
 
@@ -8407,7 +8785,7 @@
   <p:cSld>
     <p:spTree>
       <p:nvGrpSpPr>
-        <p:cNvPr id="1" name="Shape 104"/>
+        <p:cNvPr id="1" name=""/>
         <p:cNvGrpSpPr/>
         <p:nvPr/>
       </p:nvGrpSpPr>
@@ -8421,47 +8799,173 @@
       </p:grpSpPr>
       <p:sp>
         <p:nvSpPr>
-          <p:cNvPr id="105" name="Google Shape;105;p22"/>
-          <p:cNvSpPr txBox="1">
+          <p:cNvPr id="2" name="Title 1"/>
+          <p:cNvSpPr>
             <a:spLocks noGrp="1"/>
           </p:cNvSpPr>
           <p:nvPr>
             <p:ph type="title"/>
           </p:nvPr>
         </p:nvSpPr>
-        <p:spPr>
-          <a:xfrm>
-            <a:off x="311700" y="2150850"/>
-            <a:ext cx="8520600" cy="841800"/>
-          </a:xfrm>
-          <a:prstGeom prst="rect">
-            <a:avLst/>
-          </a:prstGeom>
-        </p:spPr>
+        <p:spPr/>
         <p:txBody>
-          <a:bodyPr spcFirstLastPara="1" wrap="square" lIns="91425" tIns="91425" rIns="91425" bIns="91425" anchor="ctr" anchorCtr="0">
-            <a:normAutofit/>
+          <a:bodyPr>
+            <a:normAutofit fontScale="90000"/>
           </a:bodyPr>
           <a:lstStyle/>
           <a:p>
-            <a:pPr marL="0" lvl="0" indent="0" algn="ctr" rtl="0">
-              <a:spcBef>
-                <a:spcPts val="0"/>
-              </a:spcBef>
-              <a:spcAft>
-                <a:spcPts val="0"/>
-              </a:spcAft>
-              <a:buNone/>
-            </a:pPr>
-            <a:r>
-              <a:rPr lang="en-GB"/>
-              <a:t>Neural Network</a:t>
-            </a:r>
-            <a:endParaRPr/>
+            <a:r>
+              <a:rPr lang="fr-FR" dirty="0" err="1" smtClean="0"/>
+              <a:t>Logistic</a:t>
+            </a:r>
+            <a:r>
+              <a:rPr lang="fr-FR" dirty="0" smtClean="0"/>
+              <a:t> </a:t>
+            </a:r>
+            <a:r>
+              <a:rPr lang="fr-FR" dirty="0" err="1" smtClean="0"/>
+              <a:t>regression</a:t>
+            </a:r>
+            <a:endParaRPr lang="en-US" dirty="0"/>
           </a:p>
         </p:txBody>
       </p:sp>
+      <p:pic>
+        <p:nvPicPr>
+          <p:cNvPr id="2050" name="Picture 2" descr="Logistic Regression - An Intuitive Approach | by Sharath H N | GDSCJSSSTU |  Medium"/>
+          <p:cNvPicPr>
+            <a:picLocks noChangeAspect="1" noChangeArrowheads="1"/>
+          </p:cNvPicPr>
+          <p:nvPr/>
+        </p:nvPicPr>
+        <p:blipFill>
+          <a:blip r:embed="rId2">
+            <a:extLst>
+              <a:ext uri="{28A0092B-C50C-407E-A947-70E740481C1C}">
+                <a14:useLocalDpi xmlns:a14="http://schemas.microsoft.com/office/drawing/2010/main" val="0"/>
+              </a:ext>
+            </a:extLst>
+          </a:blip>
+          <a:srcRect/>
+          <a:stretch>
+            <a:fillRect/>
+          </a:stretch>
+        </p:blipFill>
+        <p:spPr bwMode="auto">
+          <a:xfrm>
+            <a:off x="4408255" y="325797"/>
+            <a:ext cx="4424045" cy="2429652"/>
+          </a:xfrm>
+          <a:prstGeom prst="rect">
+            <a:avLst/>
+          </a:prstGeom>
+          <a:noFill/>
+          <a:extLst>
+            <a:ext uri="{909E8E84-426E-40DD-AFC4-6F175D3DCCD1}">
+              <a14:hiddenFill xmlns:a14="http://schemas.microsoft.com/office/drawing/2010/main">
+                <a:solidFill>
+                  <a:srgbClr val="FFFFFF"/>
+                </a:solidFill>
+              </a14:hiddenFill>
+            </a:ext>
+          </a:extLst>
+        </p:spPr>
+      </p:pic>
+      <p:pic>
+        <p:nvPicPr>
+          <p:cNvPr id="4" name="Picture 3"/>
+          <p:cNvPicPr>
+            <a:picLocks noChangeAspect="1"/>
+          </p:cNvPicPr>
+          <p:nvPr/>
+        </p:nvPicPr>
+        <p:blipFill>
+          <a:blip r:embed="rId3"/>
+          <a:stretch>
+            <a:fillRect/>
+          </a:stretch>
+        </p:blipFill>
+        <p:spPr>
+          <a:xfrm>
+            <a:off x="714596" y="1017725"/>
+            <a:ext cx="1645381" cy="1304198"/>
+          </a:xfrm>
+          <a:prstGeom prst="rect">
+            <a:avLst/>
+          </a:prstGeom>
+        </p:spPr>
+      </p:pic>
+      <p:pic>
+        <p:nvPicPr>
+          <p:cNvPr id="2052" name="Picture 4" descr="https://miro.medium.com/max/700/1*RqXFpiNGwdiKBWyLJc_E7g.png"/>
+          <p:cNvPicPr>
+            <a:picLocks noChangeAspect="1" noChangeArrowheads="1"/>
+          </p:cNvPicPr>
+          <p:nvPr/>
+        </p:nvPicPr>
+        <p:blipFill>
+          <a:blip r:embed="rId4">
+            <a:extLst>
+              <a:ext uri="{28A0092B-C50C-407E-A947-70E740481C1C}">
+                <a14:useLocalDpi xmlns:a14="http://schemas.microsoft.com/office/drawing/2010/main" val="0"/>
+              </a:ext>
+            </a:extLst>
+          </a:blip>
+          <a:srcRect/>
+          <a:stretch>
+            <a:fillRect/>
+          </a:stretch>
+        </p:blipFill>
+        <p:spPr bwMode="auto">
+          <a:xfrm>
+            <a:off x="4484222" y="3063240"/>
+            <a:ext cx="3699765" cy="1701892"/>
+          </a:xfrm>
+          <a:prstGeom prst="rect">
+            <a:avLst/>
+          </a:prstGeom>
+          <a:noFill/>
+          <a:extLst>
+            <a:ext uri="{909E8E84-426E-40DD-AFC4-6F175D3DCCD1}">
+              <a14:hiddenFill xmlns:a14="http://schemas.microsoft.com/office/drawing/2010/main">
+                <a:solidFill>
+                  <a:srgbClr val="FFFFFF"/>
+                </a:solidFill>
+              </a14:hiddenFill>
+            </a:ext>
+          </a:extLst>
+        </p:spPr>
+      </p:pic>
+      <p:pic>
+        <p:nvPicPr>
+          <p:cNvPr id="5" name="Picture 4"/>
+          <p:cNvPicPr>
+            <a:picLocks noChangeAspect="1"/>
+          </p:cNvPicPr>
+          <p:nvPr/>
+        </p:nvPicPr>
+        <p:blipFill>
+          <a:blip r:embed="rId5"/>
+          <a:stretch>
+            <a:fillRect/>
+          </a:stretch>
+        </p:blipFill>
+        <p:spPr>
+          <a:xfrm>
+            <a:off x="602816" y="2621280"/>
+            <a:ext cx="3329674" cy="1940356"/>
+          </a:xfrm>
+          <a:prstGeom prst="rect">
+            <a:avLst/>
+          </a:prstGeom>
+        </p:spPr>
+      </p:pic>
     </p:spTree>
+    <p:extLst>
+      <p:ext uri="{BB962C8B-B14F-4D97-AF65-F5344CB8AC3E}">
+        <p14:creationId xmlns:p14="http://schemas.microsoft.com/office/powerpoint/2010/main" val="614297317"/>
+      </p:ext>
+    </p:extLst>
   </p:cSld>
   <p:clrMapOvr>
     <a:masterClrMapping/>
@@ -8504,12 +9008,8 @@
           <a:lstStyle/>
           <a:p>
             <a:r>
-              <a:rPr lang="fr-FR" dirty="0" err="1"/>
-              <a:t>D</a:t>
-            </a:r>
-            <a:r>
-              <a:rPr lang="fr-FR" dirty="0" err="1" smtClean="0"/>
-              <a:t>ataset</a:t>
+              <a:rPr lang="en-US" dirty="0" smtClean="0"/>
+              <a:t>Environment and distribution shift</a:t>
             </a:r>
             <a:endParaRPr lang="en-US" dirty="0"/>
           </a:p>
@@ -8530,20 +9030,45 @@
           <a:bodyPr/>
           <a:lstStyle/>
           <a:p>
-            <a:endParaRPr lang="en-US"/>
+            <a:r>
+              <a:rPr lang="en-US" dirty="0" smtClean="0"/>
+              <a:t>Covariate shift</a:t>
+            </a:r>
+          </a:p>
+          <a:p>
+            <a:r>
+              <a:rPr lang="en-US" dirty="0" smtClean="0"/>
+              <a:t>Label shift</a:t>
+            </a:r>
+          </a:p>
+          <a:p>
+            <a:r>
+              <a:rPr lang="en-US" dirty="0"/>
+              <a:t>Concept Shift</a:t>
+            </a:r>
+          </a:p>
+          <a:p>
+            <a:endParaRPr lang="en-US" dirty="0"/>
           </a:p>
         </p:txBody>
       </p:sp>
     </p:spTree>
     <p:extLst>
       <p:ext uri="{BB962C8B-B14F-4D97-AF65-F5344CB8AC3E}">
-        <p14:creationId xmlns:p14="http://schemas.microsoft.com/office/powerpoint/2010/main" val="3726238815"/>
+        <p14:creationId xmlns:p14="http://schemas.microsoft.com/office/powerpoint/2010/main" val="3633552660"/>
       </p:ext>
     </p:extLst>
   </p:cSld>
   <p:clrMapOvr>
     <a:masterClrMapping/>
   </p:clrMapOvr>
+  <p:timing>
+    <p:tnLst>
+      <p:par>
+        <p:cTn id="1" dur="indefinite" restart="never" nodeType="tmRoot"/>
+      </p:par>
+    </p:tnLst>
+  </p:timing>
 </p:sld>
 </file>
 
@@ -8582,12 +9107,8 @@
           <a:lstStyle/>
           <a:p>
             <a:r>
-              <a:rPr lang="fr-FR" dirty="0" err="1" smtClean="0"/>
-              <a:t>Build</a:t>
-            </a:r>
-            <a:r>
               <a:rPr lang="fr-FR" dirty="0" smtClean="0"/>
-              <a:t> model</a:t>
+              <a:t>Computation performance</a:t>
             </a:r>
             <a:endParaRPr lang="en-US" dirty="0"/>
           </a:p>
@@ -8608,62 +9129,39 @@
           <a:bodyPr/>
           <a:lstStyle/>
           <a:p>
-            <a:endParaRPr lang="en-US"/>
+            <a:r>
+              <a:rPr lang="fr-FR" dirty="0" err="1" smtClean="0"/>
+              <a:t>Asynchronous</a:t>
+            </a:r>
+            <a:r>
+              <a:rPr lang="fr-FR" dirty="0" smtClean="0"/>
+              <a:t> computation</a:t>
+            </a:r>
+          </a:p>
+          <a:p>
+            <a:r>
+              <a:rPr lang="fr-FR" dirty="0" err="1" smtClean="0"/>
+              <a:t>Automatic</a:t>
+            </a:r>
+            <a:r>
+              <a:rPr lang="fr-FR" dirty="0" smtClean="0"/>
+              <a:t> </a:t>
+            </a:r>
+            <a:r>
+              <a:rPr lang="fr-FR" dirty="0" err="1" smtClean="0"/>
+              <a:t>parallelism</a:t>
+            </a:r>
+            <a:endParaRPr lang="fr-FR" dirty="0" smtClean="0"/>
+          </a:p>
+          <a:p>
+            <a:endParaRPr lang="en-US" dirty="0"/>
           </a:p>
         </p:txBody>
       </p:sp>
-      <p:pic>
-        <p:nvPicPr>
-          <p:cNvPr id="4" name="Picture 3"/>
-          <p:cNvPicPr>
-            <a:picLocks noChangeAspect="1"/>
-          </p:cNvPicPr>
-          <p:nvPr/>
-        </p:nvPicPr>
-        <p:blipFill>
-          <a:blip r:embed="rId2"/>
-          <a:stretch>
-            <a:fillRect/>
-          </a:stretch>
-        </p:blipFill>
-        <p:spPr>
-          <a:xfrm>
-            <a:off x="749368" y="3218414"/>
-            <a:ext cx="7115175" cy="1171575"/>
-          </a:xfrm>
-          <a:prstGeom prst="rect">
-            <a:avLst/>
-          </a:prstGeom>
-        </p:spPr>
-      </p:pic>
-      <p:pic>
-        <p:nvPicPr>
-          <p:cNvPr id="5" name="Picture 4"/>
-          <p:cNvPicPr>
-            <a:picLocks noChangeAspect="1"/>
-          </p:cNvPicPr>
-          <p:nvPr/>
-        </p:nvPicPr>
-        <p:blipFill>
-          <a:blip r:embed="rId3"/>
-          <a:stretch>
-            <a:fillRect/>
-          </a:stretch>
-        </p:blipFill>
-        <p:spPr>
-          <a:xfrm>
-            <a:off x="749368" y="1896528"/>
-            <a:ext cx="6467475" cy="1143000"/>
-          </a:xfrm>
-          <a:prstGeom prst="rect">
-            <a:avLst/>
-          </a:prstGeom>
-        </p:spPr>
-      </p:pic>
     </p:spTree>
     <p:extLst>
       <p:ext uri="{BB962C8B-B14F-4D97-AF65-F5344CB8AC3E}">
-        <p14:creationId xmlns:p14="http://schemas.microsoft.com/office/powerpoint/2010/main" val="3688092463"/>
+        <p14:creationId xmlns:p14="http://schemas.microsoft.com/office/powerpoint/2010/main" val="260866000"/>
       </p:ext>
     </p:extLst>
   </p:cSld>
@@ -8709,7 +9207,7 @@
           <a:p>
             <a:r>
               <a:rPr lang="fr-FR" dirty="0" smtClean="0"/>
-              <a:t>Callbacks</a:t>
+              <a:t>Practice</a:t>
             </a:r>
             <a:endParaRPr lang="en-US" dirty="0"/>
           </a:p>
@@ -8730,14 +9228,122 @@
           <a:bodyPr/>
           <a:lstStyle/>
           <a:p>
-            <a:endParaRPr lang="en-US"/>
+            <a:r>
+              <a:rPr lang="fr-FR" dirty="0"/>
+              <a:t>Image </a:t>
+            </a:r>
+            <a:r>
+              <a:rPr lang="fr-FR" dirty="0" err="1"/>
+              <a:t>fashion</a:t>
+            </a:r>
+            <a:r>
+              <a:rPr lang="fr-FR" dirty="0"/>
+              <a:t> </a:t>
+            </a:r>
+            <a:r>
+              <a:rPr lang="fr-FR" dirty="0" err="1"/>
+              <a:t>dataset</a:t>
+            </a:r>
+            <a:r>
+              <a:rPr lang="fr-FR" dirty="0"/>
+              <a:t> </a:t>
+            </a:r>
+            <a:r>
+              <a:rPr lang="fr-FR" dirty="0" err="1"/>
+              <a:t>analysis</a:t>
+            </a:r>
+            <a:endParaRPr lang="fr-FR" dirty="0"/>
+          </a:p>
+          <a:p>
+            <a:r>
+              <a:rPr lang="fr-FR" dirty="0" err="1"/>
+              <a:t>Logistic</a:t>
+            </a:r>
+            <a:r>
+              <a:rPr lang="fr-FR" dirty="0"/>
+              <a:t> </a:t>
+            </a:r>
+            <a:r>
+              <a:rPr lang="fr-FR" dirty="0" err="1"/>
+              <a:t>regression</a:t>
+            </a:r>
+            <a:r>
+              <a:rPr lang="fr-FR" dirty="0"/>
+              <a:t> </a:t>
+            </a:r>
+            <a:r>
+              <a:rPr lang="fr-FR" dirty="0" err="1"/>
+              <a:t>with</a:t>
+            </a:r>
+            <a:r>
+              <a:rPr lang="fr-FR" dirty="0"/>
+              <a:t> </a:t>
+            </a:r>
+            <a:r>
+              <a:rPr lang="fr-FR" dirty="0" err="1"/>
+              <a:t>fashion</a:t>
+            </a:r>
+            <a:r>
+              <a:rPr lang="fr-FR" dirty="0"/>
+              <a:t> </a:t>
+            </a:r>
+            <a:r>
+              <a:rPr lang="fr-FR" dirty="0" err="1"/>
+              <a:t>dataset</a:t>
+            </a:r>
+            <a:endParaRPr lang="fr-FR" dirty="0"/>
+          </a:p>
+          <a:p>
+            <a:r>
+              <a:rPr lang="fr-FR" dirty="0" err="1" smtClean="0"/>
+              <a:t>Fashion</a:t>
+            </a:r>
+            <a:r>
+              <a:rPr lang="fr-FR" dirty="0" smtClean="0"/>
+              <a:t> </a:t>
+            </a:r>
+            <a:r>
+              <a:rPr lang="fr-FR" dirty="0" err="1" smtClean="0"/>
+              <a:t>dataset</a:t>
+            </a:r>
+            <a:r>
+              <a:rPr lang="fr-FR" dirty="0" smtClean="0"/>
+              <a:t> </a:t>
+            </a:r>
+            <a:r>
+              <a:rPr lang="fr-FR" dirty="0" err="1" smtClean="0"/>
+              <a:t>with</a:t>
+            </a:r>
+            <a:r>
+              <a:rPr lang="fr-FR" dirty="0" smtClean="0"/>
+              <a:t> MLP</a:t>
+            </a:r>
+          </a:p>
+          <a:p>
+            <a:r>
+              <a:rPr lang="fr-FR" dirty="0" smtClean="0"/>
+              <a:t>TODO: </a:t>
+            </a:r>
+            <a:r>
+              <a:rPr lang="fr-FR" dirty="0" err="1" smtClean="0"/>
+              <a:t>add</a:t>
+            </a:r>
+            <a:r>
+              <a:rPr lang="fr-FR" dirty="0" smtClean="0"/>
+              <a:t> more use case </a:t>
+            </a:r>
+            <a:r>
+              <a:rPr lang="fr-FR" dirty="0" err="1" smtClean="0"/>
+              <a:t>example</a:t>
+            </a:r>
+            <a:endParaRPr lang="fr-FR" dirty="0" smtClean="0"/>
           </a:p>
         </p:txBody>
       </p:sp>
     </p:spTree>
     <p:extLst>
       <p:ext uri="{BB962C8B-B14F-4D97-AF65-F5344CB8AC3E}">
-        <p14:creationId xmlns:p14="http://schemas.microsoft.com/office/powerpoint/2010/main" val="1645813935"/>
+        <p14:creationId xmlns:p14="http://schemas.microsoft.com/office/powerpoint/2010/main" val="1162676693"/>
       </p:ext>
     </p:extLst>
   </p:cSld>
@@ -8747,7 +9353,7 @@
 </p:sld>
 </file>
 
-<file path=ppt/slides/slide23.xml><?xml version="1.0" encoding="utf-8"?>
+<file path=ppt/slides/slide3.xml><?xml version="1.0" encoding="utf-8"?>
 <p:sld xmlns:a="http://schemas.openxmlformats.org/drawingml/2006/main" xmlns:r="http://schemas.openxmlformats.org/officeDocument/2006/relationships" xmlns:p="http://schemas.openxmlformats.org/presentationml/2006/main">
   <p:cSld>
     <p:spTree>
@@ -8782,8 +9388,24 @@
           <a:lstStyle/>
           <a:p>
             <a:r>
+              <a:rPr lang="fr-FR" dirty="0" err="1" smtClean="0"/>
+              <a:t>Example</a:t>
+            </a:r>
+            <a:r>
               <a:rPr lang="fr-FR" dirty="0" smtClean="0"/>
-              <a:t>Train model</a:t>
+              <a:t> (</a:t>
+            </a:r>
+            <a:r>
+              <a:rPr lang="fr-FR" dirty="0" err="1" smtClean="0"/>
+              <a:t>theory</a:t>
+            </a:r>
+            <a:r>
+              <a:rPr lang="fr-FR" dirty="0"/>
+              <a:t> </a:t>
+            </a:r>
+            <a:r>
+              <a:rPr lang="fr-FR" dirty="0" smtClean="0"/>
+              <a:t>and code)</a:t>
             </a:r>
             <a:endParaRPr lang="en-US" dirty="0"/>
           </a:p>
@@ -8804,38 +9426,28 @@
           <a:bodyPr/>
           <a:lstStyle/>
           <a:p>
-            <a:endParaRPr lang="en-US"/>
+            <a:r>
+              <a:rPr lang="en-US" dirty="0" err="1" smtClean="0"/>
+              <a:t>Machinelearning</a:t>
+            </a:r>
+            <a:r>
+              <a:rPr lang="en-US" dirty="0" smtClean="0"/>
+              <a:t> co ban</a:t>
+            </a:r>
+          </a:p>
+          <a:p>
+            <a:r>
+              <a:rPr lang="en-US"/>
+              <a:t>https://machinelearningcoban.com/2017/01/27/logisticregression/</a:t>
+            </a:r>
+            <a:endParaRPr lang="en-US" dirty="0"/>
           </a:p>
         </p:txBody>
       </p:sp>
-      <p:pic>
-        <p:nvPicPr>
-          <p:cNvPr id="5" name="Picture 4"/>
-          <p:cNvPicPr>
-            <a:picLocks noChangeAspect="1"/>
-          </p:cNvPicPr>
-          <p:nvPr/>
-        </p:nvPicPr>
-        <p:blipFill>
-          <a:blip r:embed="rId2"/>
-          <a:stretch>
-            <a:fillRect/>
-          </a:stretch>
-        </p:blipFill>
-        <p:spPr>
-          <a:xfrm>
-            <a:off x="1233073" y="1152475"/>
-            <a:ext cx="6810375" cy="3476625"/>
-          </a:xfrm>
-          <a:prstGeom prst="rect">
-            <a:avLst/>
-          </a:prstGeom>
-        </p:spPr>
-      </p:pic>
     </p:spTree>
     <p:extLst>
       <p:ext uri="{BB962C8B-B14F-4D97-AF65-F5344CB8AC3E}">
-        <p14:creationId xmlns:p14="http://schemas.microsoft.com/office/powerpoint/2010/main" val="2621712105"/>
+        <p14:creationId xmlns:p14="http://schemas.microsoft.com/office/powerpoint/2010/main" val="393329537"/>
       </p:ext>
     </p:extLst>
   </p:cSld>
@@ -8845,7 +9457,7 @@
 </p:sld>
 </file>
 
-<file path=ppt/slides/slide24.xml><?xml version="1.0" encoding="utf-8"?>
+<file path=ppt/slides/slide4.xml><?xml version="1.0" encoding="utf-8"?>
 <p:sld xmlns:a="http://schemas.openxmlformats.org/drawingml/2006/main" xmlns:r="http://schemas.openxmlformats.org/officeDocument/2006/relationships" xmlns:p="http://schemas.openxmlformats.org/presentationml/2006/main">
   <p:cSld>
     <p:spTree>
@@ -8880,8 +9492,12 @@
           <a:lstStyle/>
           <a:p>
             <a:r>
+              <a:rPr lang="fr-FR" dirty="0" smtClean="0"/>
+              <a:t>Cross </a:t>
+            </a:r>
+            <a:r>
               <a:rPr lang="fr-FR" dirty="0" err="1" smtClean="0"/>
-              <a:t>Evaluate</a:t>
+              <a:t>Entropy</a:t>
             </a:r>
             <a:endParaRPr lang="en-US" dirty="0"/>
           </a:p>
@@ -8922,8 +9538,8 @@
         </p:blipFill>
         <p:spPr>
           <a:xfrm>
-            <a:off x="1068456" y="2213942"/>
-            <a:ext cx="6781800" cy="2133600"/>
+            <a:off x="3326505" y="516834"/>
+            <a:ext cx="3251772" cy="4389224"/>
           </a:xfrm>
           <a:prstGeom prst="rect">
             <a:avLst/>
@@ -8933,7 +9549,7 @@
     </p:spTree>
     <p:extLst>
       <p:ext uri="{BB962C8B-B14F-4D97-AF65-F5344CB8AC3E}">
-        <p14:creationId xmlns:p14="http://schemas.microsoft.com/office/powerpoint/2010/main" val="2771633652"/>
+        <p14:creationId xmlns:p14="http://schemas.microsoft.com/office/powerpoint/2010/main" val="3060195940"/>
       </p:ext>
     </p:extLst>
   </p:cSld>
@@ -8943,12 +9559,12 @@
 </p:sld>
 </file>
 
-<file path=ppt/slides/slide25.xml><?xml version="1.0" encoding="utf-8"?>
+<file path=ppt/slides/slide5.xml><?xml version="1.0" encoding="utf-8"?>
 <p:sld xmlns:a="http://schemas.openxmlformats.org/drawingml/2006/main" xmlns:r="http://schemas.openxmlformats.org/officeDocument/2006/relationships" xmlns:p="http://schemas.openxmlformats.org/presentationml/2006/main">
   <p:cSld>
     <p:spTree>
       <p:nvGrpSpPr>
-        <p:cNvPr id="1" name=""/>
+        <p:cNvPr id="1" name="Shape 104"/>
         <p:cNvGrpSpPr/>
         <p:nvPr/>
       </p:nvGrpSpPr>
@@ -8962,54 +9578,47 @@
       </p:grpSpPr>
       <p:sp>
         <p:nvSpPr>
-          <p:cNvPr id="2" name="Title 1"/>
-          <p:cNvSpPr>
+          <p:cNvPr id="105" name="Google Shape;105;p22"/>
+          <p:cNvSpPr txBox="1">
             <a:spLocks noGrp="1"/>
           </p:cNvSpPr>
           <p:nvPr>
             <p:ph type="title"/>
           </p:nvPr>
         </p:nvSpPr>
-        <p:spPr/>
+        <p:spPr>
+          <a:xfrm>
+            <a:off x="311700" y="2150850"/>
+            <a:ext cx="8520600" cy="841800"/>
+          </a:xfrm>
+          <a:prstGeom prst="rect">
+            <a:avLst/>
+          </a:prstGeom>
+        </p:spPr>
         <p:txBody>
-          <a:bodyPr>
-            <a:normAutofit fontScale="90000"/>
+          <a:bodyPr spcFirstLastPara="1" wrap="square" lIns="91425" tIns="91425" rIns="91425" bIns="91425" anchor="ctr" anchorCtr="0">
+            <a:normAutofit/>
           </a:bodyPr>
           <a:lstStyle/>
           <a:p>
-            <a:r>
-              <a:rPr lang="fr-FR" dirty="0" err="1" smtClean="0"/>
-              <a:t>Predict</a:t>
-            </a:r>
-            <a:endParaRPr lang="en-US" dirty="0"/>
-          </a:p>
-        </p:txBody>
-      </p:sp>
-      <p:sp>
-        <p:nvSpPr>
-          <p:cNvPr id="3" name="Text Placeholder 2"/>
-          <p:cNvSpPr>
-            <a:spLocks noGrp="1"/>
-          </p:cNvSpPr>
-          <p:nvPr>
-            <p:ph type="body" idx="1"/>
-          </p:nvPr>
-        </p:nvSpPr>
-        <p:spPr/>
-        <p:txBody>
-          <a:bodyPr/>
-          <a:lstStyle/>
-          <a:p>
-            <a:endParaRPr lang="en-US"/>
+            <a:pPr marL="0" lvl="0" indent="0" algn="ctr" rtl="0">
+              <a:spcBef>
+                <a:spcPts val="0"/>
+              </a:spcBef>
+              <a:spcAft>
+                <a:spcPts val="0"/>
+              </a:spcAft>
+              <a:buNone/>
+            </a:pPr>
+            <a:r>
+              <a:rPr lang="en-GB"/>
+              <a:t>Neural Network</a:t>
+            </a:r>
+            <a:endParaRPr/>
           </a:p>
         </p:txBody>
       </p:sp>
     </p:spTree>
-    <p:extLst>
-      <p:ext uri="{BB962C8B-B14F-4D97-AF65-F5344CB8AC3E}">
-        <p14:creationId xmlns:p14="http://schemas.microsoft.com/office/powerpoint/2010/main" val="2000979159"/>
-      </p:ext>
-    </p:extLst>
   </p:cSld>
   <p:clrMapOvr>
     <a:masterClrMapping/>
@@ -9017,7 +9626,7 @@
 </p:sld>
 </file>
 
-<file path=ppt/slides/slide3.xml><?xml version="1.0" encoding="utf-8"?>
+<file path=ppt/slides/slide6.xml><?xml version="1.0" encoding="utf-8"?>
 <p:sld xmlns:a="http://schemas.openxmlformats.org/drawingml/2006/main" xmlns:r="http://schemas.openxmlformats.org/officeDocument/2006/relationships" xmlns:p="http://schemas.openxmlformats.org/presentationml/2006/main">
   <p:cSld>
     <p:spTree>
@@ -9170,7 +9779,7 @@
 </p:sld>
 </file>
 
-<file path=ppt/slides/slide4.xml><?xml version="1.0" encoding="utf-8"?>
+<file path=ppt/slides/slide7.xml><?xml version="1.0" encoding="utf-8"?>
 <p:sld xmlns:a="http://schemas.openxmlformats.org/drawingml/2006/main" xmlns:r="http://schemas.openxmlformats.org/officeDocument/2006/relationships" xmlns:p="http://schemas.openxmlformats.org/presentationml/2006/main">
   <p:cSld>
     <p:spTree>
@@ -9427,7 +10036,7 @@
 </p:sld>
 </file>
 
-<file path=ppt/slides/slide5.xml><?xml version="1.0" encoding="utf-8"?>
+<file path=ppt/slides/slide8.xml><?xml version="1.0" encoding="utf-8"?>
 <p:sld xmlns:a="http://schemas.openxmlformats.org/drawingml/2006/main" xmlns:r="http://schemas.openxmlformats.org/officeDocument/2006/relationships" xmlns:p="http://schemas.openxmlformats.org/presentationml/2006/main">
   <p:cSld>
     <p:spTree>
@@ -9573,7 +10182,7 @@
 </p:sld>
 </file>
 
-<file path=ppt/slides/slide6.xml><?xml version="1.0" encoding="utf-8"?>
+<file path=ppt/slides/slide9.xml><?xml version="1.0" encoding="utf-8"?>
 <p:sld xmlns:a="http://schemas.openxmlformats.org/drawingml/2006/main" xmlns:r="http://schemas.openxmlformats.org/officeDocument/2006/relationships" xmlns:p="http://schemas.openxmlformats.org/presentationml/2006/main">
   <p:cSld>
     <p:spTree>
@@ -9695,551 +10304,6 @@
         </p:spPr>
       </p:pic>
     </p:spTree>
-  </p:cSld>
-  <p:clrMapOvr>
-    <a:masterClrMapping/>
-  </p:clrMapOvr>
-</p:sld>
-</file>
-
-<file path=ppt/slides/slide7.xml><?xml version="1.0" encoding="utf-8"?>
-<p:sld xmlns:a="http://schemas.openxmlformats.org/drawingml/2006/main" xmlns:r="http://schemas.openxmlformats.org/officeDocument/2006/relationships" xmlns:p="http://schemas.openxmlformats.org/presentationml/2006/main">
-  <p:cSld>
-    <p:spTree>
-      <p:nvGrpSpPr>
-        <p:cNvPr id="1" name="Shape 98"/>
-        <p:cNvGrpSpPr/>
-        <p:nvPr/>
-      </p:nvGrpSpPr>
-      <p:grpSpPr>
-        <a:xfrm>
-          <a:off x="0" y="0"/>
-          <a:ext cx="0" cy="0"/>
-          <a:chOff x="0" y="0"/>
-          <a:chExt cx="0" cy="0"/>
-        </a:xfrm>
-      </p:grpSpPr>
-      <p:sp>
-        <p:nvSpPr>
-          <p:cNvPr id="99" name="Google Shape;99;p21"/>
-          <p:cNvSpPr txBox="1">
-            <a:spLocks noGrp="1"/>
-          </p:cNvSpPr>
-          <p:nvPr>
-            <p:ph type="title"/>
-          </p:nvPr>
-        </p:nvSpPr>
-        <p:spPr>
-          <a:xfrm>
-            <a:off x="311700" y="445025"/>
-            <a:ext cx="8520600" cy="572700"/>
-          </a:xfrm>
-          <a:prstGeom prst="rect">
-            <a:avLst/>
-          </a:prstGeom>
-        </p:spPr>
-        <p:txBody>
-          <a:bodyPr spcFirstLastPara="1" wrap="square" lIns="91425" tIns="91425" rIns="91425" bIns="91425" anchor="t" anchorCtr="0">
-            <a:normAutofit fontScale="90000"/>
-          </a:bodyPr>
-          <a:lstStyle/>
-          <a:p>
-            <a:pPr marL="0" lvl="0" indent="0" algn="l" rtl="0">
-              <a:spcBef>
-                <a:spcPts val="0"/>
-              </a:spcBef>
-              <a:spcAft>
-                <a:spcPts val="0"/>
-              </a:spcAft>
-              <a:buNone/>
-            </a:pPr>
-            <a:r>
-              <a:rPr lang="en-GB"/>
-              <a:t>Regularization</a:t>
-            </a:r>
-            <a:endParaRPr/>
-          </a:p>
-        </p:txBody>
-      </p:sp>
-      <p:sp>
-        <p:nvSpPr>
-          <p:cNvPr id="100" name="Google Shape;100;p21"/>
-          <p:cNvSpPr txBox="1">
-            <a:spLocks noGrp="1"/>
-          </p:cNvSpPr>
-          <p:nvPr>
-            <p:ph type="body" idx="1"/>
-          </p:nvPr>
-        </p:nvSpPr>
-        <p:spPr>
-          <a:xfrm>
-            <a:off x="311700" y="1152475"/>
-            <a:ext cx="8520600" cy="3416400"/>
-          </a:xfrm>
-          <a:prstGeom prst="rect">
-            <a:avLst/>
-          </a:prstGeom>
-        </p:spPr>
-        <p:txBody>
-          <a:bodyPr spcFirstLastPara="1" wrap="square" lIns="91425" tIns="91425" rIns="91425" bIns="91425" anchor="t" anchorCtr="0">
-            <a:normAutofit/>
-          </a:bodyPr>
-          <a:lstStyle/>
-          <a:p>
-            <a:pPr marL="0" lvl="0" indent="0" algn="l" rtl="0">
-              <a:spcBef>
-                <a:spcPts val="0"/>
-              </a:spcBef>
-              <a:spcAft>
-                <a:spcPts val="1200"/>
-              </a:spcAft>
-              <a:buNone/>
-            </a:pPr>
-            <a:r>
-              <a:rPr lang="en-GB" dirty="0"/>
-              <a:t>Drop </a:t>
-            </a:r>
-            <a:r>
-              <a:rPr lang="en-GB" dirty="0" smtClean="0"/>
-              <a:t>out</a:t>
-            </a:r>
-          </a:p>
-          <a:p>
-            <a:pPr marL="0" lvl="0" indent="0" algn="l" rtl="0">
-              <a:spcBef>
-                <a:spcPts val="0"/>
-              </a:spcBef>
-              <a:spcAft>
-                <a:spcPts val="1200"/>
-              </a:spcAft>
-              <a:buNone/>
-            </a:pPr>
-            <a:endParaRPr lang="en-GB" dirty="0" smtClean="0"/>
-          </a:p>
-          <a:p>
-            <a:pPr marL="0" lvl="0" indent="0" algn="l" rtl="0">
-              <a:spcBef>
-                <a:spcPts val="0"/>
-              </a:spcBef>
-              <a:spcAft>
-                <a:spcPts val="1200"/>
-              </a:spcAft>
-              <a:buNone/>
-            </a:pPr>
-            <a:endParaRPr lang="en-GB" dirty="0"/>
-          </a:p>
-          <a:p>
-            <a:pPr marL="0" lvl="0" indent="0" algn="l" rtl="0">
-              <a:spcBef>
-                <a:spcPts val="0"/>
-              </a:spcBef>
-              <a:spcAft>
-                <a:spcPts val="1200"/>
-              </a:spcAft>
-              <a:buNone/>
-            </a:pPr>
-            <a:endParaRPr lang="en-GB" dirty="0" smtClean="0"/>
-          </a:p>
-          <a:p>
-            <a:pPr marL="0" lvl="0" indent="0" algn="l" rtl="0">
-              <a:spcBef>
-                <a:spcPts val="0"/>
-              </a:spcBef>
-              <a:spcAft>
-                <a:spcPts val="1200"/>
-              </a:spcAft>
-              <a:buNone/>
-            </a:pPr>
-            <a:endParaRPr lang="en-GB" dirty="0"/>
-          </a:p>
-          <a:p>
-            <a:pPr marL="0" lvl="0" indent="0" algn="l" rtl="0">
-              <a:spcBef>
-                <a:spcPts val="0"/>
-              </a:spcBef>
-              <a:spcAft>
-                <a:spcPts val="1200"/>
-              </a:spcAft>
-              <a:buNone/>
-            </a:pPr>
-            <a:r>
-              <a:rPr lang="en-GB" dirty="0" smtClean="0"/>
-              <a:t>Weight decay</a:t>
-            </a:r>
-            <a:endParaRPr dirty="0"/>
-          </a:p>
-        </p:txBody>
-      </p:sp>
-      <p:pic>
-        <p:nvPicPr>
-          <p:cNvPr id="2" name="Picture 1"/>
-          <p:cNvPicPr>
-            <a:picLocks noChangeAspect="1"/>
-          </p:cNvPicPr>
-          <p:nvPr/>
-        </p:nvPicPr>
-        <p:blipFill>
-          <a:blip r:embed="rId3"/>
-          <a:stretch>
-            <a:fillRect/>
-          </a:stretch>
-        </p:blipFill>
-        <p:spPr>
-          <a:xfrm>
-            <a:off x="3671887" y="3464242"/>
-            <a:ext cx="1800225" cy="714375"/>
-          </a:xfrm>
-          <a:prstGeom prst="rect">
-            <a:avLst/>
-          </a:prstGeom>
-        </p:spPr>
-      </p:pic>
-      <p:pic>
-        <p:nvPicPr>
-          <p:cNvPr id="3" name="Picture 2"/>
-          <p:cNvPicPr>
-            <a:picLocks noChangeAspect="1"/>
-          </p:cNvPicPr>
-          <p:nvPr/>
-        </p:nvPicPr>
-        <p:blipFill>
-          <a:blip r:embed="rId4"/>
-          <a:stretch>
-            <a:fillRect/>
-          </a:stretch>
-        </p:blipFill>
-        <p:spPr>
-          <a:xfrm>
-            <a:off x="2727007" y="879424"/>
-            <a:ext cx="4504373" cy="1834628"/>
-          </a:xfrm>
-          <a:prstGeom prst="rect">
-            <a:avLst/>
-          </a:prstGeom>
-        </p:spPr>
-      </p:pic>
-    </p:spTree>
-  </p:cSld>
-  <p:clrMapOvr>
-    <a:masterClrMapping/>
-  </p:clrMapOvr>
-</p:sld>
-</file>
-
-<file path=ppt/slides/slide8.xml><?xml version="1.0" encoding="utf-8"?>
-<p:sld xmlns:a="http://schemas.openxmlformats.org/drawingml/2006/main" xmlns:r="http://schemas.openxmlformats.org/officeDocument/2006/relationships" xmlns:p="http://schemas.openxmlformats.org/presentationml/2006/main">
-  <p:cSld>
-    <p:spTree>
-      <p:nvGrpSpPr>
-        <p:cNvPr id="1" name="Shape 121"/>
-        <p:cNvGrpSpPr/>
-        <p:nvPr/>
-      </p:nvGrpSpPr>
-      <p:grpSpPr>
-        <a:xfrm>
-          <a:off x="0" y="0"/>
-          <a:ext cx="0" cy="0"/>
-          <a:chOff x="0" y="0"/>
-          <a:chExt cx="0" cy="0"/>
-        </a:xfrm>
-      </p:grpSpPr>
-      <p:sp>
-        <p:nvSpPr>
-          <p:cNvPr id="122" name="Google Shape;122;p25"/>
-          <p:cNvSpPr txBox="1">
-            <a:spLocks noGrp="1"/>
-          </p:cNvSpPr>
-          <p:nvPr>
-            <p:ph type="title"/>
-          </p:nvPr>
-        </p:nvSpPr>
-        <p:spPr>
-          <a:xfrm>
-            <a:off x="311700" y="445025"/>
-            <a:ext cx="8520600" cy="572700"/>
-          </a:xfrm>
-          <a:prstGeom prst="rect">
-            <a:avLst/>
-          </a:prstGeom>
-        </p:spPr>
-        <p:txBody>
-          <a:bodyPr spcFirstLastPara="1" wrap="square" lIns="91425" tIns="91425" rIns="91425" bIns="91425" anchor="t" anchorCtr="0">
-            <a:normAutofit fontScale="90000"/>
-          </a:bodyPr>
-          <a:lstStyle/>
-          <a:p>
-            <a:pPr marL="0" lvl="0" indent="0" algn="l" rtl="0">
-              <a:spcBef>
-                <a:spcPts val="0"/>
-              </a:spcBef>
-              <a:spcAft>
-                <a:spcPts val="0"/>
-              </a:spcAft>
-              <a:buNone/>
-            </a:pPr>
-            <a:r>
-              <a:rPr lang="en-GB"/>
-              <a:t>Forward propagation</a:t>
-            </a:r>
-            <a:endParaRPr/>
-          </a:p>
-        </p:txBody>
-      </p:sp>
-      <p:sp>
-        <p:nvSpPr>
-          <p:cNvPr id="123" name="Google Shape;123;p25"/>
-          <p:cNvSpPr txBox="1">
-            <a:spLocks noGrp="1"/>
-          </p:cNvSpPr>
-          <p:nvPr>
-            <p:ph type="body" idx="1"/>
-          </p:nvPr>
-        </p:nvSpPr>
-        <p:spPr>
-          <a:xfrm>
-            <a:off x="311700" y="1152475"/>
-            <a:ext cx="8520600" cy="3416400"/>
-          </a:xfrm>
-          <a:prstGeom prst="rect">
-            <a:avLst/>
-          </a:prstGeom>
-        </p:spPr>
-        <p:txBody>
-          <a:bodyPr spcFirstLastPara="1" wrap="square" lIns="91425" tIns="91425" rIns="91425" bIns="91425" anchor="t" anchorCtr="0">
-            <a:normAutofit/>
-          </a:bodyPr>
-          <a:lstStyle/>
-          <a:p>
-            <a:pPr marL="0" lvl="0" indent="0" algn="l" rtl="0">
-              <a:spcBef>
-                <a:spcPts val="0"/>
-              </a:spcBef>
-              <a:spcAft>
-                <a:spcPts val="1200"/>
-              </a:spcAft>
-              <a:buNone/>
-            </a:pPr>
-            <a:endParaRPr/>
-          </a:p>
-        </p:txBody>
-      </p:sp>
-      <p:pic>
-        <p:nvPicPr>
-          <p:cNvPr id="2" name="Picture 1"/>
-          <p:cNvPicPr>
-            <a:picLocks noChangeAspect="1"/>
-          </p:cNvPicPr>
-          <p:nvPr/>
-        </p:nvPicPr>
-        <p:blipFill>
-          <a:blip r:embed="rId3"/>
-          <a:stretch>
-            <a:fillRect/>
-          </a:stretch>
-        </p:blipFill>
-        <p:spPr>
-          <a:xfrm>
-            <a:off x="1119187" y="2041525"/>
-            <a:ext cx="6905625" cy="819150"/>
-          </a:xfrm>
-          <a:prstGeom prst="rect">
-            <a:avLst/>
-          </a:prstGeom>
-        </p:spPr>
-      </p:pic>
-    </p:spTree>
-  </p:cSld>
-  <p:clrMapOvr>
-    <a:masterClrMapping/>
-  </p:clrMapOvr>
-</p:sld>
-</file>
-
-<file path=ppt/slides/slide9.xml><?xml version="1.0" encoding="utf-8"?>
-<p:sld xmlns:a="http://schemas.openxmlformats.org/drawingml/2006/main" xmlns:r="http://schemas.openxmlformats.org/officeDocument/2006/relationships" xmlns:p="http://schemas.openxmlformats.org/presentationml/2006/main">
-  <p:cSld>
-    <p:spTree>
-      <p:nvGrpSpPr>
-        <p:cNvPr id="1" name=""/>
-        <p:cNvGrpSpPr/>
-        <p:nvPr/>
-      </p:nvGrpSpPr>
-      <p:grpSpPr>
-        <a:xfrm>
-          <a:off x="0" y="0"/>
-          <a:ext cx="0" cy="0"/>
-          <a:chOff x="0" y="0"/>
-          <a:chExt cx="0" cy="0"/>
-        </a:xfrm>
-      </p:grpSpPr>
-      <p:sp>
-        <p:nvSpPr>
-          <p:cNvPr id="2" name="Title 1"/>
-          <p:cNvSpPr>
-            <a:spLocks noGrp="1"/>
-          </p:cNvSpPr>
-          <p:nvPr>
-            <p:ph type="title"/>
-          </p:nvPr>
-        </p:nvSpPr>
-        <p:spPr/>
-        <p:txBody>
-          <a:bodyPr>
-            <a:normAutofit fontScale="90000"/>
-          </a:bodyPr>
-          <a:lstStyle/>
-          <a:p>
-            <a:r>
-              <a:rPr lang="fr-FR" dirty="0" err="1" smtClean="0"/>
-              <a:t>Backpropagation</a:t>
-            </a:r>
-            <a:endParaRPr lang="en-US" dirty="0"/>
-          </a:p>
-        </p:txBody>
-      </p:sp>
-      <p:pic>
-        <p:nvPicPr>
-          <p:cNvPr id="1026" name="Picture 2" descr="https://machinelearningcoban.com/assets/14_mlp/backpropagation.png"/>
-          <p:cNvPicPr>
-            <a:picLocks noChangeAspect="1" noChangeArrowheads="1"/>
-          </p:cNvPicPr>
-          <p:nvPr/>
-        </p:nvPicPr>
-        <p:blipFill>
-          <a:blip r:embed="rId3">
-            <a:extLst>
-              <a:ext uri="{28A0092B-C50C-407E-A947-70E740481C1C}">
-                <a14:useLocalDpi xmlns:a14="http://schemas.microsoft.com/office/drawing/2010/main" val="0"/>
-              </a:ext>
-            </a:extLst>
-          </a:blip>
-          <a:srcRect/>
-          <a:stretch>
-            <a:fillRect/>
-          </a:stretch>
-        </p:blipFill>
-        <p:spPr bwMode="auto">
-          <a:xfrm>
-            <a:off x="3939306" y="1571206"/>
-            <a:ext cx="4841151" cy="2611396"/>
-          </a:xfrm>
-          <a:prstGeom prst="rect">
-            <a:avLst/>
-          </a:prstGeom>
-          <a:noFill/>
-          <a:extLst>
-            <a:ext uri="{909E8E84-426E-40DD-AFC4-6F175D3DCCD1}">
-              <a14:hiddenFill xmlns:a14="http://schemas.microsoft.com/office/drawing/2010/main">
-                <a:solidFill>
-                  <a:srgbClr val="FFFFFF"/>
-                </a:solidFill>
-              </a14:hiddenFill>
-            </a:ext>
-          </a:extLst>
-        </p:spPr>
-      </p:pic>
-      <p:pic>
-        <p:nvPicPr>
-          <p:cNvPr id="4" name="Picture 3"/>
-          <p:cNvPicPr>
-            <a:picLocks noChangeAspect="1"/>
-          </p:cNvPicPr>
-          <p:nvPr/>
-        </p:nvPicPr>
-        <p:blipFill>
-          <a:blip r:embed="rId4"/>
-          <a:stretch>
-            <a:fillRect/>
-          </a:stretch>
-        </p:blipFill>
-        <p:spPr>
-          <a:xfrm>
-            <a:off x="194531" y="1220923"/>
-            <a:ext cx="5820296" cy="250067"/>
-          </a:xfrm>
-          <a:prstGeom prst="rect">
-            <a:avLst/>
-          </a:prstGeom>
-        </p:spPr>
-      </p:pic>
-      <p:pic>
-        <p:nvPicPr>
-          <p:cNvPr id="5" name="Picture 4"/>
-          <p:cNvPicPr>
-            <a:picLocks noChangeAspect="1"/>
-          </p:cNvPicPr>
-          <p:nvPr/>
-        </p:nvPicPr>
-        <p:blipFill>
-          <a:blip r:embed="rId5"/>
-          <a:stretch>
-            <a:fillRect/>
-          </a:stretch>
-        </p:blipFill>
-        <p:spPr>
-          <a:xfrm>
-            <a:off x="194531" y="1639741"/>
-            <a:ext cx="2919206" cy="372056"/>
-          </a:xfrm>
-          <a:prstGeom prst="rect">
-            <a:avLst/>
-          </a:prstGeom>
-        </p:spPr>
-      </p:pic>
-      <p:pic>
-        <p:nvPicPr>
-          <p:cNvPr id="6" name="Picture 5"/>
-          <p:cNvPicPr>
-            <a:picLocks noChangeAspect="1"/>
-          </p:cNvPicPr>
-          <p:nvPr/>
-        </p:nvPicPr>
-        <p:blipFill>
-          <a:blip r:embed="rId6"/>
-          <a:stretch>
-            <a:fillRect/>
-          </a:stretch>
-        </p:blipFill>
-        <p:spPr>
-          <a:xfrm>
-            <a:off x="311700" y="2129752"/>
-            <a:ext cx="3549956" cy="1597215"/>
-          </a:xfrm>
-          <a:prstGeom prst="rect">
-            <a:avLst/>
-          </a:prstGeom>
-        </p:spPr>
-      </p:pic>
-      <p:pic>
-        <p:nvPicPr>
-          <p:cNvPr id="7" name="Picture 6"/>
-          <p:cNvPicPr>
-            <a:picLocks noChangeAspect="1"/>
-          </p:cNvPicPr>
-          <p:nvPr/>
-        </p:nvPicPr>
-        <p:blipFill>
-          <a:blip r:embed="rId7"/>
-          <a:stretch>
-            <a:fillRect/>
-          </a:stretch>
-        </p:blipFill>
-        <p:spPr>
-          <a:xfrm>
-            <a:off x="194531" y="3742011"/>
-            <a:ext cx="4743243" cy="1203796"/>
-          </a:xfrm>
-          <a:prstGeom prst="rect">
-            <a:avLst/>
-          </a:prstGeom>
-        </p:spPr>
-      </p:pic>
-    </p:spTree>
-    <p:extLst>
-      <p:ext uri="{BB962C8B-B14F-4D97-AF65-F5344CB8AC3E}">
-        <p14:creationId xmlns:p14="http://schemas.microsoft.com/office/powerpoint/2010/main" val="1775134047"/>
-      </p:ext>
-    </p:extLst>
   </p:cSld>
   <p:clrMapOvr>
     <a:masterClrMapping/>
